--- a/Project1.pptx
+++ b/Project1.pptx
@@ -5,18 +5,22 @@
     <p:sldMasterId id="2147483648" r:id="rId1"/>
   </p:sldMasterIdLst>
   <p:notesMasterIdLst>
-    <p:notesMasterId r:id="rId11"/>
+    <p:notesMasterId r:id="rId15"/>
   </p:notesMasterIdLst>
   <p:sldIdLst>
     <p:sldId id="256" r:id="rId2"/>
     <p:sldId id="257" r:id="rId3"/>
-    <p:sldId id="258" r:id="rId4"/>
-    <p:sldId id="259" r:id="rId5"/>
-    <p:sldId id="260" r:id="rId6"/>
-    <p:sldId id="261" r:id="rId7"/>
-    <p:sldId id="262" r:id="rId8"/>
-    <p:sldId id="263" r:id="rId9"/>
-    <p:sldId id="264" r:id="rId10"/>
+    <p:sldId id="267" r:id="rId4"/>
+    <p:sldId id="269" r:id="rId5"/>
+    <p:sldId id="258" r:id="rId6"/>
+    <p:sldId id="268" r:id="rId7"/>
+    <p:sldId id="265" r:id="rId8"/>
+    <p:sldId id="259" r:id="rId9"/>
+    <p:sldId id="260" r:id="rId10"/>
+    <p:sldId id="261" r:id="rId11"/>
+    <p:sldId id="262" r:id="rId12"/>
+    <p:sldId id="263" r:id="rId13"/>
+    <p:sldId id="264" r:id="rId14"/>
   </p:sldIdLst>
   <p:sldSz cx="12192000" cy="6858000"/>
   <p:notesSz cx="6858000" cy="9144000"/>
@@ -205,7 +209,7 @@
           <a:p>
             <a:fld id="{723FBAB7-38B8-9742-998A-D23EB28787A2}" type="datetimeFigureOut">
               <a:rPr lang="en-US" smtClean="0"/>
-              <a:t>3/30/19</a:t>
+              <a:t>3/30/2019</a:t>
             </a:fld>
             <a:endParaRPr lang="en-US"/>
           </a:p>
@@ -562,7 +566,7 @@
           <a:p>
             <a:fld id="{1ABBD873-08CC-CF45-9A1C-8FC61122CEB0}" type="slidenum">
               <a:rPr lang="en-US" smtClean="0"/>
-              <a:t>7</a:t>
+              <a:t>11</a:t>
             </a:fld>
             <a:endParaRPr lang="en-US"/>
           </a:p>
@@ -708,7 +712,7 @@
           <a:p>
             <a:fld id="{1ABBD873-08CC-CF45-9A1C-8FC61122CEB0}" type="slidenum">
               <a:rPr lang="en-US" smtClean="0"/>
-              <a:t>9</a:t>
+              <a:t>13</a:t>
             </a:fld>
             <a:endParaRPr lang="en-US"/>
           </a:p>
@@ -874,7 +878,7 @@
           <a:p>
             <a:fld id="{9E8F0690-90F3-3240-A8D4-937BF079F265}" type="datetimeFigureOut">
               <a:rPr lang="en-US" smtClean="0"/>
-              <a:t>3/30/19</a:t>
+              <a:t>3/30/2019</a:t>
             </a:fld>
             <a:endParaRPr lang="en-US"/>
           </a:p>
@@ -1072,7 +1076,7 @@
           <a:p>
             <a:fld id="{9E8F0690-90F3-3240-A8D4-937BF079F265}" type="datetimeFigureOut">
               <a:rPr lang="en-US" smtClean="0"/>
-              <a:t>3/30/19</a:t>
+              <a:t>3/30/2019</a:t>
             </a:fld>
             <a:endParaRPr lang="en-US"/>
           </a:p>
@@ -1280,7 +1284,7 @@
           <a:p>
             <a:fld id="{9E8F0690-90F3-3240-A8D4-937BF079F265}" type="datetimeFigureOut">
               <a:rPr lang="en-US" smtClean="0"/>
-              <a:t>3/30/19</a:t>
+              <a:t>3/30/2019</a:t>
             </a:fld>
             <a:endParaRPr lang="en-US"/>
           </a:p>
@@ -1478,7 +1482,7 @@
           <a:p>
             <a:fld id="{9E8F0690-90F3-3240-A8D4-937BF079F265}" type="datetimeFigureOut">
               <a:rPr lang="en-US" smtClean="0"/>
-              <a:t>3/30/19</a:t>
+              <a:t>3/30/2019</a:t>
             </a:fld>
             <a:endParaRPr lang="en-US"/>
           </a:p>
@@ -1753,7 +1757,7 @@
           <a:p>
             <a:fld id="{9E8F0690-90F3-3240-A8D4-937BF079F265}" type="datetimeFigureOut">
               <a:rPr lang="en-US" smtClean="0"/>
-              <a:t>3/30/19</a:t>
+              <a:t>3/30/2019</a:t>
             </a:fld>
             <a:endParaRPr lang="en-US"/>
           </a:p>
@@ -2018,7 +2022,7 @@
           <a:p>
             <a:fld id="{9E8F0690-90F3-3240-A8D4-937BF079F265}" type="datetimeFigureOut">
               <a:rPr lang="en-US" smtClean="0"/>
-              <a:t>3/30/19</a:t>
+              <a:t>3/30/2019</a:t>
             </a:fld>
             <a:endParaRPr lang="en-US"/>
           </a:p>
@@ -2430,7 +2434,7 @@
           <a:p>
             <a:fld id="{9E8F0690-90F3-3240-A8D4-937BF079F265}" type="datetimeFigureOut">
               <a:rPr lang="en-US" smtClean="0"/>
-              <a:t>3/30/19</a:t>
+              <a:t>3/30/2019</a:t>
             </a:fld>
             <a:endParaRPr lang="en-US"/>
           </a:p>
@@ -2571,7 +2575,7 @@
           <a:p>
             <a:fld id="{9E8F0690-90F3-3240-A8D4-937BF079F265}" type="datetimeFigureOut">
               <a:rPr lang="en-US" smtClean="0"/>
-              <a:t>3/30/19</a:t>
+              <a:t>3/30/2019</a:t>
             </a:fld>
             <a:endParaRPr lang="en-US"/>
           </a:p>
@@ -2684,7 +2688,7 @@
           <a:p>
             <a:fld id="{9E8F0690-90F3-3240-A8D4-937BF079F265}" type="datetimeFigureOut">
               <a:rPr lang="en-US" smtClean="0"/>
-              <a:t>3/30/19</a:t>
+              <a:t>3/30/2019</a:t>
             </a:fld>
             <a:endParaRPr lang="en-US"/>
           </a:p>
@@ -2995,7 +2999,7 @@
           <a:p>
             <a:fld id="{9E8F0690-90F3-3240-A8D4-937BF079F265}" type="datetimeFigureOut">
               <a:rPr lang="en-US" smtClean="0"/>
-              <a:t>3/30/19</a:t>
+              <a:t>3/30/2019</a:t>
             </a:fld>
             <a:endParaRPr lang="en-US"/>
           </a:p>
@@ -3283,7 +3287,7 @@
           <a:p>
             <a:fld id="{9E8F0690-90F3-3240-A8D4-937BF079F265}" type="datetimeFigureOut">
               <a:rPr lang="en-US" smtClean="0"/>
-              <a:t>3/30/19</a:t>
+              <a:t>3/30/2019</a:t>
             </a:fld>
             <a:endParaRPr lang="en-US"/>
           </a:p>
@@ -3524,7 +3528,7 @@
           <a:p>
             <a:fld id="{9E8F0690-90F3-3240-A8D4-937BF079F265}" type="datetimeFigureOut">
               <a:rPr lang="en-US" smtClean="0"/>
-              <a:t>3/30/19</a:t>
+              <a:t>3/30/2019</a:t>
             </a:fld>
             <a:endParaRPr lang="en-US"/>
           </a:p>
@@ -3998,15 +4002,7 @@
           <a:p>
             <a:r>
               <a:rPr lang="en-US" dirty="0"/>
-              <a:t>Shelly Garg, </a:t>
-            </a:r>
-            <a:r>
-              <a:rPr lang="en-US" dirty="0" err="1"/>
-              <a:t>Geyang</a:t>
-            </a:r>
-            <a:r>
-              <a:rPr lang="en-US" dirty="0"/>
-              <a:t> Yang and Dann Taylor</a:t>
+              <a:t>Shelly Garg, Geyang Ye and Dann Taylor</a:t>
             </a:r>
           </a:p>
         </p:txBody>
@@ -4024,405 +4020,7 @@
 </p:sld>
 </file>
 
-<file path=ppt/slides/slide2.xml><?xml version="1.0" encoding="utf-8"?>
-<p:sld xmlns:a="http://schemas.openxmlformats.org/drawingml/2006/main" xmlns:r="http://schemas.openxmlformats.org/officeDocument/2006/relationships" xmlns:p="http://schemas.openxmlformats.org/presentationml/2006/main">
-  <p:cSld>
-    <p:spTree>
-      <p:nvGrpSpPr>
-        <p:cNvPr id="1" name=""/>
-        <p:cNvGrpSpPr/>
-        <p:nvPr/>
-      </p:nvGrpSpPr>
-      <p:grpSpPr>
-        <a:xfrm>
-          <a:off x="0" y="0"/>
-          <a:ext cx="0" cy="0"/>
-          <a:chOff x="0" y="0"/>
-          <a:chExt cx="0" cy="0"/>
-        </a:xfrm>
-      </p:grpSpPr>
-      <p:sp>
-        <p:nvSpPr>
-          <p:cNvPr id="2" name="Title 1">
-            <a:extLst>
-              <a:ext uri="{FF2B5EF4-FFF2-40B4-BE49-F238E27FC236}">
-                <a16:creationId xmlns:a16="http://schemas.microsoft.com/office/drawing/2014/main" id="{A55FA95F-918F-0D4F-885B-505FDB5B1301}"/>
-              </a:ext>
-            </a:extLst>
-          </p:cNvPr>
-          <p:cNvSpPr>
-            <a:spLocks noGrp="1"/>
-          </p:cNvSpPr>
-          <p:nvPr>
-            <p:ph type="title"/>
-          </p:nvPr>
-        </p:nvSpPr>
-        <p:spPr/>
-        <p:txBody>
-          <a:bodyPr/>
-          <a:lstStyle/>
-          <a:p>
-            <a:r>
-              <a:rPr lang="en-US" dirty="0"/>
-              <a:t>Questions to Answer</a:t>
-            </a:r>
-          </a:p>
-        </p:txBody>
-      </p:sp>
-      <p:sp>
-        <p:nvSpPr>
-          <p:cNvPr id="3" name="Content Placeholder 2">
-            <a:extLst>
-              <a:ext uri="{FF2B5EF4-FFF2-40B4-BE49-F238E27FC236}">
-                <a16:creationId xmlns:a16="http://schemas.microsoft.com/office/drawing/2014/main" id="{B2BC381F-77B8-1F49-A8F2-3499B9F432A4}"/>
-              </a:ext>
-            </a:extLst>
-          </p:cNvPr>
-          <p:cNvSpPr>
-            <a:spLocks noGrp="1"/>
-          </p:cNvSpPr>
-          <p:nvPr>
-            <p:ph idx="1"/>
-          </p:nvPr>
-        </p:nvSpPr>
-        <p:spPr/>
-        <p:txBody>
-          <a:bodyPr/>
-          <a:lstStyle/>
-          <a:p>
-            <a:pPr marL="0" indent="0">
-              <a:buNone/>
-            </a:pPr>
-            <a:r>
-              <a:rPr lang="en-US" dirty="0"/>
-              <a:t>Using ”Chicago Towed Vehicles” we wanted to answer these questions:</a:t>
-            </a:r>
-          </a:p>
-          <a:p>
-            <a:pPr marL="914400" lvl="1" indent="-457200">
-              <a:buFont typeface="+mj-lt"/>
-              <a:buAutoNum type="arabicPeriod"/>
-            </a:pPr>
-            <a:r>
-              <a:rPr lang="en-US" dirty="0"/>
-              <a:t>Does the day of the week have an any impact?</a:t>
-            </a:r>
-          </a:p>
-          <a:p>
-            <a:pPr marL="914400" lvl="1" indent="-457200">
-              <a:buFont typeface="+mj-lt"/>
-              <a:buAutoNum type="arabicPeriod"/>
-            </a:pPr>
-            <a:r>
-              <a:rPr lang="en-US" dirty="0"/>
-              <a:t>What impact did holidays and cultural events have on towing?</a:t>
-            </a:r>
-          </a:p>
-          <a:p>
-            <a:pPr marL="914400" lvl="1" indent="-457200">
-              <a:buFont typeface="+mj-lt"/>
-              <a:buAutoNum type="arabicPeriod"/>
-            </a:pPr>
-            <a:r>
-              <a:rPr lang="en-US" dirty="0"/>
-              <a:t>How long does it take for an abandoned car to be towed?</a:t>
-            </a:r>
-          </a:p>
-          <a:p>
-            <a:pPr marL="914400" lvl="1" indent="-457200">
-              <a:buFont typeface="+mj-lt"/>
-              <a:buAutoNum type="arabicPeriod"/>
-            </a:pPr>
-            <a:r>
-              <a:rPr lang="en-US" dirty="0"/>
-              <a:t>What percentage of abandoned cars are towed?</a:t>
-            </a:r>
-          </a:p>
-          <a:p>
-            <a:pPr marL="914400" lvl="1" indent="-457200">
-              <a:buFont typeface="+mj-lt"/>
-              <a:buAutoNum type="arabicPeriod"/>
-            </a:pPr>
-            <a:r>
-              <a:rPr lang="en-US" dirty="0"/>
-              <a:t>To which Chicago Impound Lot facility is a car likely towed?</a:t>
-            </a:r>
-          </a:p>
-          <a:p>
-            <a:pPr marL="914400" lvl="1" indent="-457200">
-              <a:buFont typeface="+mj-lt"/>
-              <a:buAutoNum type="arabicPeriod"/>
-            </a:pPr>
-            <a:r>
-              <a:rPr lang="en-US" dirty="0"/>
-              <a:t>From which states are towed cars?</a:t>
-            </a:r>
-          </a:p>
-        </p:txBody>
-      </p:sp>
-    </p:spTree>
-    <p:extLst>
-      <p:ext uri="{BB962C8B-B14F-4D97-AF65-F5344CB8AC3E}">
-        <p14:creationId xmlns:p14="http://schemas.microsoft.com/office/powerpoint/2010/main" val="2647015602"/>
-      </p:ext>
-    </p:extLst>
-  </p:cSld>
-  <p:clrMapOvr>
-    <a:masterClrMapping/>
-  </p:clrMapOvr>
-</p:sld>
-</file>
-
-<file path=ppt/slides/slide3.xml><?xml version="1.0" encoding="utf-8"?>
-<p:sld xmlns:a="http://schemas.openxmlformats.org/drawingml/2006/main" xmlns:r="http://schemas.openxmlformats.org/officeDocument/2006/relationships" xmlns:p="http://schemas.openxmlformats.org/presentationml/2006/main">
-  <p:cSld>
-    <p:spTree>
-      <p:nvGrpSpPr>
-        <p:cNvPr id="1" name=""/>
-        <p:cNvGrpSpPr/>
-        <p:nvPr/>
-      </p:nvGrpSpPr>
-      <p:grpSpPr>
-        <a:xfrm>
-          <a:off x="0" y="0"/>
-          <a:ext cx="0" cy="0"/>
-          <a:chOff x="0" y="0"/>
-          <a:chExt cx="0" cy="0"/>
-        </a:xfrm>
-      </p:grpSpPr>
-      <p:sp>
-        <p:nvSpPr>
-          <p:cNvPr id="2" name="Title 1">
-            <a:extLst>
-              <a:ext uri="{FF2B5EF4-FFF2-40B4-BE49-F238E27FC236}">
-                <a16:creationId xmlns:a16="http://schemas.microsoft.com/office/drawing/2014/main" id="{31D18C89-CE46-AF4E-9C0F-708A60BF26A7}"/>
-              </a:ext>
-            </a:extLst>
-          </p:cNvPr>
-          <p:cNvSpPr>
-            <a:spLocks noGrp="1"/>
-          </p:cNvSpPr>
-          <p:nvPr>
-            <p:ph type="title"/>
-          </p:nvPr>
-        </p:nvSpPr>
-        <p:spPr/>
-        <p:txBody>
-          <a:bodyPr/>
-          <a:lstStyle/>
-          <a:p>
-            <a:r>
-              <a:rPr lang="en-US" dirty="0"/>
-              <a:t>Questions 1 and 2</a:t>
-            </a:r>
-          </a:p>
-        </p:txBody>
-      </p:sp>
-      <p:sp>
-        <p:nvSpPr>
-          <p:cNvPr id="4" name="Text Placeholder 3">
-            <a:extLst>
-              <a:ext uri="{FF2B5EF4-FFF2-40B4-BE49-F238E27FC236}">
-                <a16:creationId xmlns:a16="http://schemas.microsoft.com/office/drawing/2014/main" id="{F8D35C83-ED91-F24A-8F56-055DF4EB59D0}"/>
-              </a:ext>
-            </a:extLst>
-          </p:cNvPr>
-          <p:cNvSpPr>
-            <a:spLocks noGrp="1"/>
-          </p:cNvSpPr>
-          <p:nvPr>
-            <p:ph type="body" idx="1"/>
-          </p:nvPr>
-        </p:nvSpPr>
-        <p:spPr/>
-        <p:txBody>
-          <a:bodyPr/>
-          <a:lstStyle/>
-          <a:p>
-            <a:endParaRPr lang="en-US"/>
-          </a:p>
-        </p:txBody>
-      </p:sp>
-    </p:spTree>
-    <p:extLst>
-      <p:ext uri="{BB962C8B-B14F-4D97-AF65-F5344CB8AC3E}">
-        <p14:creationId xmlns:p14="http://schemas.microsoft.com/office/powerpoint/2010/main" val="1759660625"/>
-      </p:ext>
-    </p:extLst>
-  </p:cSld>
-  <p:clrMapOvr>
-    <a:masterClrMapping/>
-  </p:clrMapOvr>
-</p:sld>
-</file>
-
-<file path=ppt/slides/slide4.xml><?xml version="1.0" encoding="utf-8"?>
-<p:sld xmlns:a="http://schemas.openxmlformats.org/drawingml/2006/main" xmlns:r="http://schemas.openxmlformats.org/officeDocument/2006/relationships" xmlns:p="http://schemas.openxmlformats.org/presentationml/2006/main">
-  <p:cSld>
-    <p:spTree>
-      <p:nvGrpSpPr>
-        <p:cNvPr id="1" name=""/>
-        <p:cNvGrpSpPr/>
-        <p:nvPr/>
-      </p:nvGrpSpPr>
-      <p:grpSpPr>
-        <a:xfrm>
-          <a:off x="0" y="0"/>
-          <a:ext cx="0" cy="0"/>
-          <a:chOff x="0" y="0"/>
-          <a:chExt cx="0" cy="0"/>
-        </a:xfrm>
-      </p:grpSpPr>
-      <p:sp>
-        <p:nvSpPr>
-          <p:cNvPr id="2" name="Title 1">
-            <a:extLst>
-              <a:ext uri="{FF2B5EF4-FFF2-40B4-BE49-F238E27FC236}">
-                <a16:creationId xmlns:a16="http://schemas.microsoft.com/office/drawing/2014/main" id="{4F4BBC07-BBD8-2E42-A4E2-17155A643676}"/>
-              </a:ext>
-            </a:extLst>
-          </p:cNvPr>
-          <p:cNvSpPr>
-            <a:spLocks noGrp="1"/>
-          </p:cNvSpPr>
-          <p:nvPr>
-            <p:ph type="title"/>
-          </p:nvPr>
-        </p:nvSpPr>
-        <p:spPr/>
-        <p:txBody>
-          <a:bodyPr/>
-          <a:lstStyle/>
-          <a:p>
-            <a:r>
-              <a:rPr lang="en-US" dirty="0"/>
-              <a:t>Questions 3 and 4</a:t>
-            </a:r>
-          </a:p>
-        </p:txBody>
-      </p:sp>
-      <p:sp>
-        <p:nvSpPr>
-          <p:cNvPr id="4" name="Text Placeholder 3">
-            <a:extLst>
-              <a:ext uri="{FF2B5EF4-FFF2-40B4-BE49-F238E27FC236}">
-                <a16:creationId xmlns:a16="http://schemas.microsoft.com/office/drawing/2014/main" id="{67640997-494C-CF46-9366-A3B4D2C8540C}"/>
-              </a:ext>
-            </a:extLst>
-          </p:cNvPr>
-          <p:cNvSpPr>
-            <a:spLocks noGrp="1"/>
-          </p:cNvSpPr>
-          <p:nvPr>
-            <p:ph type="body" idx="1"/>
-          </p:nvPr>
-        </p:nvSpPr>
-        <p:spPr/>
-        <p:txBody>
-          <a:bodyPr/>
-          <a:lstStyle/>
-          <a:p>
-            <a:endParaRPr lang="en-US"/>
-          </a:p>
-        </p:txBody>
-      </p:sp>
-    </p:spTree>
-    <p:extLst>
-      <p:ext uri="{BB962C8B-B14F-4D97-AF65-F5344CB8AC3E}">
-        <p14:creationId xmlns:p14="http://schemas.microsoft.com/office/powerpoint/2010/main" val="554516089"/>
-      </p:ext>
-    </p:extLst>
-  </p:cSld>
-  <p:clrMapOvr>
-    <a:masterClrMapping/>
-  </p:clrMapOvr>
-</p:sld>
-</file>
-
-<file path=ppt/slides/slide5.xml><?xml version="1.0" encoding="utf-8"?>
-<p:sld xmlns:a="http://schemas.openxmlformats.org/drawingml/2006/main" xmlns:r="http://schemas.openxmlformats.org/officeDocument/2006/relationships" xmlns:p="http://schemas.openxmlformats.org/presentationml/2006/main">
-  <p:cSld>
-    <p:spTree>
-      <p:nvGrpSpPr>
-        <p:cNvPr id="1" name=""/>
-        <p:cNvGrpSpPr/>
-        <p:nvPr/>
-      </p:nvGrpSpPr>
-      <p:grpSpPr>
-        <a:xfrm>
-          <a:off x="0" y="0"/>
-          <a:ext cx="0" cy="0"/>
-          <a:chOff x="0" y="0"/>
-          <a:chExt cx="0" cy="0"/>
-        </a:xfrm>
-      </p:grpSpPr>
-      <p:sp>
-        <p:nvSpPr>
-          <p:cNvPr id="2" name="Title 1">
-            <a:extLst>
-              <a:ext uri="{FF2B5EF4-FFF2-40B4-BE49-F238E27FC236}">
-                <a16:creationId xmlns:a16="http://schemas.microsoft.com/office/drawing/2014/main" id="{31E8BB90-D390-CA45-AD33-0856F776D88E}"/>
-              </a:ext>
-            </a:extLst>
-          </p:cNvPr>
-          <p:cNvSpPr>
-            <a:spLocks noGrp="1"/>
-          </p:cNvSpPr>
-          <p:nvPr>
-            <p:ph type="title"/>
-          </p:nvPr>
-        </p:nvSpPr>
-        <p:spPr/>
-        <p:txBody>
-          <a:bodyPr/>
-          <a:lstStyle/>
-          <a:p>
-            <a:r>
-              <a:rPr lang="en-US" dirty="0"/>
-              <a:t>Questions 5 and 6</a:t>
-            </a:r>
-          </a:p>
-        </p:txBody>
-      </p:sp>
-      <p:sp>
-        <p:nvSpPr>
-          <p:cNvPr id="4" name="Text Placeholder 3">
-            <a:extLst>
-              <a:ext uri="{FF2B5EF4-FFF2-40B4-BE49-F238E27FC236}">
-                <a16:creationId xmlns:a16="http://schemas.microsoft.com/office/drawing/2014/main" id="{B42A0A87-7AC9-864A-B700-0A546169EA59}"/>
-              </a:ext>
-            </a:extLst>
-          </p:cNvPr>
-          <p:cNvSpPr>
-            <a:spLocks noGrp="1"/>
-          </p:cNvSpPr>
-          <p:nvPr>
-            <p:ph type="body" idx="1"/>
-          </p:nvPr>
-        </p:nvSpPr>
-        <p:spPr/>
-        <p:txBody>
-          <a:bodyPr/>
-          <a:lstStyle/>
-          <a:p>
-            <a:endParaRPr lang="en-US"/>
-          </a:p>
-        </p:txBody>
-      </p:sp>
-    </p:spTree>
-    <p:extLst>
-      <p:ext uri="{BB962C8B-B14F-4D97-AF65-F5344CB8AC3E}">
-        <p14:creationId xmlns:p14="http://schemas.microsoft.com/office/powerpoint/2010/main" val="783432784"/>
-      </p:ext>
-    </p:extLst>
-  </p:cSld>
-  <p:clrMapOvr>
-    <a:masterClrMapping/>
-  </p:clrMapOvr>
-</p:sld>
-</file>
-
-<file path=ppt/slides/slide6.xml><?xml version="1.0" encoding="utf-8"?>
+<file path=ppt/slides/slide10.xml><?xml version="1.0" encoding="utf-8"?>
 <p:sld xmlns:a="http://schemas.openxmlformats.org/drawingml/2006/main" xmlns:r="http://schemas.openxmlformats.org/officeDocument/2006/relationships" xmlns:p="http://schemas.openxmlformats.org/presentationml/2006/main">
   <p:cSld>
     <p:spTree>
@@ -4509,7 +4107,7 @@
 </p:sld>
 </file>
 
-<file path=ppt/slides/slide7.xml><?xml version="1.0" encoding="utf-8"?>
+<file path=ppt/slides/slide11.xml><?xml version="1.0" encoding="utf-8"?>
 <p:sld xmlns:a="http://schemas.openxmlformats.org/drawingml/2006/main" xmlns:r="http://schemas.openxmlformats.org/officeDocument/2006/relationships" xmlns:p="http://schemas.openxmlformats.org/presentationml/2006/main">
   <p:cSld>
     <p:spTree>
@@ -4684,7 +4282,7 @@
 </p:sld>
 </file>
 
-<file path=ppt/slides/slide8.xml><?xml version="1.0" encoding="utf-8"?>
+<file path=ppt/slides/slide12.xml><?xml version="1.0" encoding="utf-8"?>
 <p:sld xmlns:a="http://schemas.openxmlformats.org/drawingml/2006/main" xmlns:r="http://schemas.openxmlformats.org/officeDocument/2006/relationships" xmlns:p="http://schemas.openxmlformats.org/presentationml/2006/main">
   <p:cSld>
     <p:spTree>
@@ -4839,6 +4437,1042 @@
     <p:extLst>
       <p:ext uri="{BB962C8B-B14F-4D97-AF65-F5344CB8AC3E}">
         <p14:creationId xmlns:p14="http://schemas.microsoft.com/office/powerpoint/2010/main" val="1986077802"/>
+      </p:ext>
+    </p:extLst>
+  </p:cSld>
+  <p:clrMapOvr>
+    <a:masterClrMapping/>
+  </p:clrMapOvr>
+</p:sld>
+</file>
+
+<file path=ppt/slides/slide13.xml><?xml version="1.0" encoding="utf-8"?>
+<p:sld xmlns:a="http://schemas.openxmlformats.org/drawingml/2006/main" xmlns:r="http://schemas.openxmlformats.org/officeDocument/2006/relationships" xmlns:p="http://schemas.openxmlformats.org/presentationml/2006/main">
+  <p:cSld>
+    <p:spTree>
+      <p:nvGrpSpPr>
+        <p:cNvPr id="1" name=""/>
+        <p:cNvGrpSpPr/>
+        <p:nvPr/>
+      </p:nvGrpSpPr>
+      <p:grpSpPr>
+        <a:xfrm>
+          <a:off x="0" y="0"/>
+          <a:ext cx="0" cy="0"/>
+          <a:chOff x="0" y="0"/>
+          <a:chExt cx="0" cy="0"/>
+        </a:xfrm>
+      </p:grpSpPr>
+      <p:sp>
+        <p:nvSpPr>
+          <p:cNvPr id="2" name="Title 1">
+            <a:extLst>
+              <a:ext uri="{FF2B5EF4-FFF2-40B4-BE49-F238E27FC236}">
+                <a16:creationId xmlns:a16="http://schemas.microsoft.com/office/drawing/2014/main" id="{3623C55F-098E-EB45-8951-AAE613E48102}"/>
+              </a:ext>
+            </a:extLst>
+          </p:cNvPr>
+          <p:cNvSpPr>
+            <a:spLocks noGrp="1"/>
+          </p:cNvSpPr>
+          <p:nvPr>
+            <p:ph type="title"/>
+          </p:nvPr>
+        </p:nvSpPr>
+        <p:spPr/>
+        <p:txBody>
+          <a:bodyPr/>
+          <a:lstStyle/>
+          <a:p>
+            <a:r>
+              <a:rPr lang="en-US" dirty="0"/>
+              <a:t>Plates</a:t>
+            </a:r>
+          </a:p>
+        </p:txBody>
+      </p:sp>
+      <p:pic>
+        <p:nvPicPr>
+          <p:cNvPr id="5" name="Content Placeholder 4">
+            <a:extLst>
+              <a:ext uri="{FF2B5EF4-FFF2-40B4-BE49-F238E27FC236}">
+                <a16:creationId xmlns:a16="http://schemas.microsoft.com/office/drawing/2014/main" id="{39C05BE1-B9A3-5841-90D1-449857A7A323}"/>
+              </a:ext>
+            </a:extLst>
+          </p:cNvPr>
+          <p:cNvPicPr>
+            <a:picLocks noGrp="1" noChangeAspect="1"/>
+          </p:cNvPicPr>
+          <p:nvPr>
+            <p:ph idx="1"/>
+          </p:nvPr>
+        </p:nvPicPr>
+        <p:blipFill>
+          <a:blip r:embed="rId3"/>
+          <a:stretch>
+            <a:fillRect/>
+          </a:stretch>
+        </p:blipFill>
+        <p:spPr>
+          <a:xfrm>
+            <a:off x="0" y="2667794"/>
+            <a:ext cx="10515600" cy="1752600"/>
+          </a:xfrm>
+        </p:spPr>
+      </p:pic>
+    </p:spTree>
+    <p:extLst>
+      <p:ext uri="{BB962C8B-B14F-4D97-AF65-F5344CB8AC3E}">
+        <p14:creationId xmlns:p14="http://schemas.microsoft.com/office/powerpoint/2010/main" val="2864676136"/>
+      </p:ext>
+    </p:extLst>
+  </p:cSld>
+  <p:clrMapOvr>
+    <a:masterClrMapping/>
+  </p:clrMapOvr>
+</p:sld>
+</file>
+
+<file path=ppt/slides/slide2.xml><?xml version="1.0" encoding="utf-8"?>
+<p:sld xmlns:a="http://schemas.openxmlformats.org/drawingml/2006/main" xmlns:r="http://schemas.openxmlformats.org/officeDocument/2006/relationships" xmlns:p="http://schemas.openxmlformats.org/presentationml/2006/main">
+  <p:cSld>
+    <p:spTree>
+      <p:nvGrpSpPr>
+        <p:cNvPr id="1" name=""/>
+        <p:cNvGrpSpPr/>
+        <p:nvPr/>
+      </p:nvGrpSpPr>
+      <p:grpSpPr>
+        <a:xfrm>
+          <a:off x="0" y="0"/>
+          <a:ext cx="0" cy="0"/>
+          <a:chOff x="0" y="0"/>
+          <a:chExt cx="0" cy="0"/>
+        </a:xfrm>
+      </p:grpSpPr>
+      <p:sp>
+        <p:nvSpPr>
+          <p:cNvPr id="2" name="Title 1">
+            <a:extLst>
+              <a:ext uri="{FF2B5EF4-FFF2-40B4-BE49-F238E27FC236}">
+                <a16:creationId xmlns:a16="http://schemas.microsoft.com/office/drawing/2014/main" id="{A55FA95F-918F-0D4F-885B-505FDB5B1301}"/>
+              </a:ext>
+            </a:extLst>
+          </p:cNvPr>
+          <p:cNvSpPr>
+            <a:spLocks noGrp="1"/>
+          </p:cNvSpPr>
+          <p:nvPr>
+            <p:ph type="title"/>
+          </p:nvPr>
+        </p:nvSpPr>
+        <p:spPr/>
+        <p:txBody>
+          <a:bodyPr/>
+          <a:lstStyle/>
+          <a:p>
+            <a:r>
+              <a:rPr lang="en-US" dirty="0"/>
+              <a:t>Questions to Answer</a:t>
+            </a:r>
+          </a:p>
+        </p:txBody>
+      </p:sp>
+      <p:sp>
+        <p:nvSpPr>
+          <p:cNvPr id="3" name="Content Placeholder 2">
+            <a:extLst>
+              <a:ext uri="{FF2B5EF4-FFF2-40B4-BE49-F238E27FC236}">
+                <a16:creationId xmlns:a16="http://schemas.microsoft.com/office/drawing/2014/main" id="{B2BC381F-77B8-1F49-A8F2-3499B9F432A4}"/>
+              </a:ext>
+            </a:extLst>
+          </p:cNvPr>
+          <p:cNvSpPr>
+            <a:spLocks noGrp="1"/>
+          </p:cNvSpPr>
+          <p:nvPr>
+            <p:ph idx="1"/>
+          </p:nvPr>
+        </p:nvSpPr>
+        <p:spPr/>
+        <p:txBody>
+          <a:bodyPr/>
+          <a:lstStyle/>
+          <a:p>
+            <a:pPr marL="0" indent="0">
+              <a:buNone/>
+            </a:pPr>
+            <a:r>
+              <a:rPr lang="en-US" dirty="0"/>
+              <a:t>Using ”Chicago Towed Vehicles” we wanted to answer these questions:</a:t>
+            </a:r>
+          </a:p>
+          <a:p>
+            <a:pPr marL="914400" lvl="1" indent="-457200">
+              <a:buFont typeface="+mj-lt"/>
+              <a:buAutoNum type="arabicPeriod"/>
+            </a:pPr>
+            <a:r>
+              <a:rPr lang="en-US" dirty="0"/>
+              <a:t>Does the day of the week have an any impact?</a:t>
+            </a:r>
+          </a:p>
+          <a:p>
+            <a:pPr marL="914400" lvl="1" indent="-457200">
+              <a:buFont typeface="+mj-lt"/>
+              <a:buAutoNum type="arabicPeriod"/>
+            </a:pPr>
+            <a:r>
+              <a:rPr lang="en-US" dirty="0"/>
+              <a:t>What impact did holidays and cultural events have on towing?</a:t>
+            </a:r>
+          </a:p>
+          <a:p>
+            <a:pPr marL="914400" lvl="1" indent="-457200">
+              <a:buFont typeface="+mj-lt"/>
+              <a:buAutoNum type="arabicPeriod"/>
+            </a:pPr>
+            <a:r>
+              <a:rPr lang="en-US" dirty="0"/>
+              <a:t>How long does it take for an abandoned car to be towed?</a:t>
+            </a:r>
+          </a:p>
+          <a:p>
+            <a:pPr marL="914400" lvl="1" indent="-457200">
+              <a:buFont typeface="+mj-lt"/>
+              <a:buAutoNum type="arabicPeriod"/>
+            </a:pPr>
+            <a:r>
+              <a:rPr lang="en-US" dirty="0"/>
+              <a:t>What percentage of abandoned cars are towed?</a:t>
+            </a:r>
+          </a:p>
+          <a:p>
+            <a:pPr marL="914400" lvl="1" indent="-457200">
+              <a:buFont typeface="+mj-lt"/>
+              <a:buAutoNum type="arabicPeriod"/>
+            </a:pPr>
+            <a:r>
+              <a:rPr lang="en-US" dirty="0"/>
+              <a:t>To which Chicago Impound Lot facility is a car likely towed?</a:t>
+            </a:r>
+          </a:p>
+          <a:p>
+            <a:pPr marL="914400" lvl="1" indent="-457200">
+              <a:buFont typeface="+mj-lt"/>
+              <a:buAutoNum type="arabicPeriod"/>
+            </a:pPr>
+            <a:r>
+              <a:rPr lang="en-US" dirty="0"/>
+              <a:t>From which states are towed cars?</a:t>
+            </a:r>
+          </a:p>
+        </p:txBody>
+      </p:sp>
+    </p:spTree>
+    <p:extLst>
+      <p:ext uri="{BB962C8B-B14F-4D97-AF65-F5344CB8AC3E}">
+        <p14:creationId xmlns:p14="http://schemas.microsoft.com/office/powerpoint/2010/main" val="2647015602"/>
+      </p:ext>
+    </p:extLst>
+  </p:cSld>
+  <p:clrMapOvr>
+    <a:masterClrMapping/>
+  </p:clrMapOvr>
+</p:sld>
+</file>
+
+<file path=ppt/slides/slide3.xml><?xml version="1.0" encoding="utf-8"?>
+<p:sld xmlns:a="http://schemas.openxmlformats.org/drawingml/2006/main" xmlns:r="http://schemas.openxmlformats.org/officeDocument/2006/relationships" xmlns:p="http://schemas.openxmlformats.org/presentationml/2006/main">
+  <p:cSld>
+    <p:spTree>
+      <p:nvGrpSpPr>
+        <p:cNvPr id="1" name=""/>
+        <p:cNvGrpSpPr/>
+        <p:nvPr/>
+      </p:nvGrpSpPr>
+      <p:grpSpPr>
+        <a:xfrm>
+          <a:off x="0" y="0"/>
+          <a:ext cx="0" cy="0"/>
+          <a:chOff x="0" y="0"/>
+          <a:chExt cx="0" cy="0"/>
+        </a:xfrm>
+      </p:grpSpPr>
+      <p:sp>
+        <p:nvSpPr>
+          <p:cNvPr id="12" name="TextBox 11">
+            <a:extLst>
+              <a:ext uri="{FF2B5EF4-FFF2-40B4-BE49-F238E27FC236}">
+                <a16:creationId xmlns:a16="http://schemas.microsoft.com/office/drawing/2014/main" id="{90257E67-1E3E-4F44-BA69-B30761FDAEE2}"/>
+              </a:ext>
+            </a:extLst>
+          </p:cNvPr>
+          <p:cNvSpPr txBox="1"/>
+          <p:nvPr/>
+        </p:nvSpPr>
+        <p:spPr>
+          <a:xfrm>
+            <a:off x="0" y="512360"/>
+            <a:ext cx="10328223" cy="584775"/>
+          </a:xfrm>
+          <a:prstGeom prst="rect">
+            <a:avLst/>
+          </a:prstGeom>
+          <a:noFill/>
+        </p:spPr>
+        <p:txBody>
+          <a:bodyPr wrap="square" rtlCol="0">
+            <a:spAutoFit/>
+          </a:bodyPr>
+          <a:lstStyle/>
+          <a:p>
+            <a:pPr marL="914400" lvl="1" indent="-457200">
+              <a:buFont typeface="+mj-lt"/>
+              <a:buAutoNum type="arabicPeriod"/>
+            </a:pPr>
+            <a:r>
+              <a:rPr lang="en-US" sz="3200" dirty="0">
+                <a:latin typeface="Graphik" panose="020B0503030202060203" pitchFamily="34" charset="0"/>
+              </a:rPr>
+              <a:t>Does the day of the week have an any impact?</a:t>
+            </a:r>
+          </a:p>
+        </p:txBody>
+      </p:sp>
+      <p:pic>
+        <p:nvPicPr>
+          <p:cNvPr id="3" name="Picture 2">
+            <a:extLst>
+              <a:ext uri="{FF2B5EF4-FFF2-40B4-BE49-F238E27FC236}">
+                <a16:creationId xmlns:a16="http://schemas.microsoft.com/office/drawing/2014/main" id="{D34C1894-2DE8-4849-8DEF-15325B6354F5}"/>
+              </a:ext>
+            </a:extLst>
+          </p:cNvPr>
+          <p:cNvPicPr>
+            <a:picLocks noChangeAspect="1"/>
+          </p:cNvPicPr>
+          <p:nvPr/>
+        </p:nvPicPr>
+        <p:blipFill>
+          <a:blip r:embed="rId2"/>
+          <a:stretch>
+            <a:fillRect/>
+          </a:stretch>
+        </p:blipFill>
+        <p:spPr>
+          <a:xfrm>
+            <a:off x="884420" y="1362807"/>
+            <a:ext cx="9567044" cy="3814104"/>
+          </a:xfrm>
+          <a:prstGeom prst="rect">
+            <a:avLst/>
+          </a:prstGeom>
+        </p:spPr>
+      </p:pic>
+      <p:sp>
+        <p:nvSpPr>
+          <p:cNvPr id="4" name="Rectangle: Rounded Corners 3">
+            <a:extLst>
+              <a:ext uri="{FF2B5EF4-FFF2-40B4-BE49-F238E27FC236}">
+                <a16:creationId xmlns:a16="http://schemas.microsoft.com/office/drawing/2014/main" id="{F7B589C1-B808-4726-8F7A-2F6DBADD1195}"/>
+              </a:ext>
+            </a:extLst>
+          </p:cNvPr>
+          <p:cNvSpPr/>
+          <p:nvPr/>
+        </p:nvSpPr>
+        <p:spPr>
+          <a:xfrm>
+            <a:off x="8567225" y="2194560"/>
+            <a:ext cx="1392701" cy="2982351"/>
+          </a:xfrm>
+          <a:prstGeom prst="roundRect">
+            <a:avLst/>
+          </a:prstGeom>
+          <a:noFill/>
+          <a:ln>
+            <a:solidFill>
+              <a:srgbClr val="FF0000"/>
+            </a:solidFill>
+          </a:ln>
+        </p:spPr>
+        <p:style>
+          <a:lnRef idx="2">
+            <a:schemeClr val="accent1">
+              <a:shade val="50000"/>
+            </a:schemeClr>
+          </a:lnRef>
+          <a:fillRef idx="1">
+            <a:schemeClr val="accent1"/>
+          </a:fillRef>
+          <a:effectRef idx="0">
+            <a:schemeClr val="accent1"/>
+          </a:effectRef>
+          <a:fontRef idx="minor">
+            <a:schemeClr val="lt1"/>
+          </a:fontRef>
+        </p:style>
+        <p:txBody>
+          <a:bodyPr rtlCol="0" anchor="ctr"/>
+          <a:lstStyle/>
+          <a:p>
+            <a:pPr algn="ctr"/>
+            <a:endParaRPr lang="en-US"/>
+          </a:p>
+        </p:txBody>
+      </p:sp>
+    </p:spTree>
+    <p:extLst>
+      <p:ext uri="{BB962C8B-B14F-4D97-AF65-F5344CB8AC3E}">
+        <p14:creationId xmlns:p14="http://schemas.microsoft.com/office/powerpoint/2010/main" val="1164709197"/>
+      </p:ext>
+    </p:extLst>
+  </p:cSld>
+  <p:clrMapOvr>
+    <a:masterClrMapping/>
+  </p:clrMapOvr>
+</p:sld>
+</file>
+
+<file path=ppt/slides/slide4.xml><?xml version="1.0" encoding="utf-8"?>
+<p:sld xmlns:a="http://schemas.openxmlformats.org/drawingml/2006/main" xmlns:r="http://schemas.openxmlformats.org/officeDocument/2006/relationships" xmlns:p="http://schemas.openxmlformats.org/presentationml/2006/main">
+  <p:cSld>
+    <p:spTree>
+      <p:nvGrpSpPr>
+        <p:cNvPr id="1" name=""/>
+        <p:cNvGrpSpPr/>
+        <p:nvPr/>
+      </p:nvGrpSpPr>
+      <p:grpSpPr>
+        <a:xfrm>
+          <a:off x="0" y="0"/>
+          <a:ext cx="0" cy="0"/>
+          <a:chOff x="0" y="0"/>
+          <a:chExt cx="0" cy="0"/>
+        </a:xfrm>
+      </p:grpSpPr>
+      <p:sp>
+        <p:nvSpPr>
+          <p:cNvPr id="12" name="TextBox 11">
+            <a:extLst>
+              <a:ext uri="{FF2B5EF4-FFF2-40B4-BE49-F238E27FC236}">
+                <a16:creationId xmlns:a16="http://schemas.microsoft.com/office/drawing/2014/main" id="{90257E67-1E3E-4F44-BA69-B30761FDAEE2}"/>
+              </a:ext>
+            </a:extLst>
+          </p:cNvPr>
+          <p:cNvSpPr txBox="1"/>
+          <p:nvPr/>
+        </p:nvSpPr>
+        <p:spPr>
+          <a:xfrm>
+            <a:off x="0" y="512360"/>
+            <a:ext cx="10328223" cy="584775"/>
+          </a:xfrm>
+          <a:prstGeom prst="rect">
+            <a:avLst/>
+          </a:prstGeom>
+          <a:noFill/>
+        </p:spPr>
+        <p:txBody>
+          <a:bodyPr wrap="square" rtlCol="0">
+            <a:spAutoFit/>
+          </a:bodyPr>
+          <a:lstStyle/>
+          <a:p>
+            <a:pPr marL="914400" lvl="1" indent="-457200">
+              <a:buFont typeface="+mj-lt"/>
+              <a:buAutoNum type="arabicPeriod"/>
+            </a:pPr>
+            <a:r>
+              <a:rPr lang="en-US" sz="3200" dirty="0">
+                <a:latin typeface="Graphik" panose="020B0503030202060203" pitchFamily="34" charset="0"/>
+              </a:rPr>
+              <a:t>Does the day of the week have an any impact?</a:t>
+            </a:r>
+          </a:p>
+        </p:txBody>
+      </p:sp>
+      <p:pic>
+        <p:nvPicPr>
+          <p:cNvPr id="14" name="Picture 13">
+            <a:extLst>
+              <a:ext uri="{FF2B5EF4-FFF2-40B4-BE49-F238E27FC236}">
+                <a16:creationId xmlns:a16="http://schemas.microsoft.com/office/drawing/2014/main" id="{FAD86DB2-1511-4701-9A5F-73B8D1F28A3C}"/>
+              </a:ext>
+            </a:extLst>
+          </p:cNvPr>
+          <p:cNvPicPr>
+            <a:picLocks noChangeAspect="1"/>
+          </p:cNvPicPr>
+          <p:nvPr/>
+        </p:nvPicPr>
+        <p:blipFill>
+          <a:blip r:embed="rId2"/>
+          <a:stretch>
+            <a:fillRect/>
+          </a:stretch>
+        </p:blipFill>
+        <p:spPr>
+          <a:xfrm>
+            <a:off x="1806314" y="1409075"/>
+            <a:ext cx="8094689" cy="4083189"/>
+          </a:xfrm>
+          <a:prstGeom prst="rect">
+            <a:avLst/>
+          </a:prstGeom>
+        </p:spPr>
+      </p:pic>
+      <p:sp>
+        <p:nvSpPr>
+          <p:cNvPr id="17" name="TextBox 16">
+            <a:extLst>
+              <a:ext uri="{FF2B5EF4-FFF2-40B4-BE49-F238E27FC236}">
+                <a16:creationId xmlns:a16="http://schemas.microsoft.com/office/drawing/2014/main" id="{2076FB27-928B-4698-9BB2-15F577813DED}"/>
+              </a:ext>
+            </a:extLst>
+          </p:cNvPr>
+          <p:cNvSpPr txBox="1"/>
+          <p:nvPr/>
+        </p:nvSpPr>
+        <p:spPr>
+          <a:xfrm>
+            <a:off x="884420" y="5651292"/>
+            <a:ext cx="9548734" cy="646331"/>
+          </a:xfrm>
+          <a:prstGeom prst="rect">
+            <a:avLst/>
+          </a:prstGeom>
+          <a:noFill/>
+        </p:spPr>
+        <p:txBody>
+          <a:bodyPr wrap="square" rtlCol="0">
+            <a:spAutoFit/>
+          </a:bodyPr>
+          <a:lstStyle/>
+          <a:p>
+            <a:r>
+              <a:rPr lang="en-US" dirty="0"/>
+              <a:t>Answer – Yes, we think the number of towed cars increased significantly during Friday and Saturday, the reason probably is people would like to go out during Friday night and Saturday. </a:t>
+            </a:r>
+          </a:p>
+        </p:txBody>
+      </p:sp>
+    </p:spTree>
+    <p:extLst>
+      <p:ext uri="{BB962C8B-B14F-4D97-AF65-F5344CB8AC3E}">
+        <p14:creationId xmlns:p14="http://schemas.microsoft.com/office/powerpoint/2010/main" val="1331041661"/>
+      </p:ext>
+    </p:extLst>
+  </p:cSld>
+  <p:clrMapOvr>
+    <a:masterClrMapping/>
+  </p:clrMapOvr>
+</p:sld>
+</file>
+
+<file path=ppt/slides/slide5.xml><?xml version="1.0" encoding="utf-8"?>
+<p:sld xmlns:a="http://schemas.openxmlformats.org/drawingml/2006/main" xmlns:r="http://schemas.openxmlformats.org/officeDocument/2006/relationships" xmlns:p="http://schemas.openxmlformats.org/presentationml/2006/main">
+  <p:cSld>
+    <p:spTree>
+      <p:nvGrpSpPr>
+        <p:cNvPr id="1" name=""/>
+        <p:cNvGrpSpPr/>
+        <p:nvPr/>
+      </p:nvGrpSpPr>
+      <p:grpSpPr>
+        <a:xfrm>
+          <a:off x="0" y="0"/>
+          <a:ext cx="0" cy="0"/>
+          <a:chOff x="0" y="0"/>
+          <a:chExt cx="0" cy="0"/>
+        </a:xfrm>
+      </p:grpSpPr>
+      <p:sp>
+        <p:nvSpPr>
+          <p:cNvPr id="17" name="TextBox 16">
+            <a:extLst>
+              <a:ext uri="{FF2B5EF4-FFF2-40B4-BE49-F238E27FC236}">
+                <a16:creationId xmlns:a16="http://schemas.microsoft.com/office/drawing/2014/main" id="{2076FB27-928B-4698-9BB2-15F577813DED}"/>
+              </a:ext>
+            </a:extLst>
+          </p:cNvPr>
+          <p:cNvSpPr txBox="1"/>
+          <p:nvPr/>
+        </p:nvSpPr>
+        <p:spPr>
+          <a:xfrm>
+            <a:off x="689548" y="465891"/>
+            <a:ext cx="9548734" cy="646331"/>
+          </a:xfrm>
+          <a:prstGeom prst="rect">
+            <a:avLst/>
+          </a:prstGeom>
+          <a:noFill/>
+        </p:spPr>
+        <p:txBody>
+          <a:bodyPr wrap="square" rtlCol="0">
+            <a:spAutoFit/>
+          </a:bodyPr>
+          <a:lstStyle/>
+          <a:p>
+            <a:r>
+              <a:rPr lang="en-US" dirty="0"/>
+              <a:t>To verify our hypothesis which is the number of towed cars during the week  is significantly different we use Chi-Square test to do the validation </a:t>
+            </a:r>
+          </a:p>
+        </p:txBody>
+      </p:sp>
+      <p:pic>
+        <p:nvPicPr>
+          <p:cNvPr id="18" name="Picture 17">
+            <a:extLst>
+              <a:ext uri="{FF2B5EF4-FFF2-40B4-BE49-F238E27FC236}">
+                <a16:creationId xmlns:a16="http://schemas.microsoft.com/office/drawing/2014/main" id="{E3A57DEF-5B24-465D-96BC-C1E74BE0C5E5}"/>
+              </a:ext>
+            </a:extLst>
+          </p:cNvPr>
+          <p:cNvPicPr>
+            <a:picLocks noChangeAspect="1"/>
+          </p:cNvPicPr>
+          <p:nvPr/>
+        </p:nvPicPr>
+        <p:blipFill>
+          <a:blip r:embed="rId2"/>
+          <a:stretch>
+            <a:fillRect/>
+          </a:stretch>
+        </p:blipFill>
+        <p:spPr>
+          <a:xfrm>
+            <a:off x="689548" y="1315699"/>
+            <a:ext cx="3162924" cy="3162924"/>
+          </a:xfrm>
+          <a:prstGeom prst="rect">
+            <a:avLst/>
+          </a:prstGeom>
+        </p:spPr>
+      </p:pic>
+      <p:pic>
+        <p:nvPicPr>
+          <p:cNvPr id="20" name="Picture 19">
+            <a:extLst>
+              <a:ext uri="{FF2B5EF4-FFF2-40B4-BE49-F238E27FC236}">
+                <a16:creationId xmlns:a16="http://schemas.microsoft.com/office/drawing/2014/main" id="{AAB97ABA-BDCF-41A3-91F3-A19D86A77231}"/>
+              </a:ext>
+            </a:extLst>
+          </p:cNvPr>
+          <p:cNvPicPr>
+            <a:picLocks noChangeAspect="1"/>
+          </p:cNvPicPr>
+          <p:nvPr/>
+        </p:nvPicPr>
+        <p:blipFill>
+          <a:blip r:embed="rId3"/>
+          <a:stretch>
+            <a:fillRect/>
+          </a:stretch>
+        </p:blipFill>
+        <p:spPr>
+          <a:xfrm>
+            <a:off x="4157662" y="1776286"/>
+            <a:ext cx="5031308" cy="870601"/>
+          </a:xfrm>
+          <a:prstGeom prst="rect">
+            <a:avLst/>
+          </a:prstGeom>
+        </p:spPr>
+      </p:pic>
+      <p:pic>
+        <p:nvPicPr>
+          <p:cNvPr id="22" name="Picture 21">
+            <a:extLst>
+              <a:ext uri="{FF2B5EF4-FFF2-40B4-BE49-F238E27FC236}">
+                <a16:creationId xmlns:a16="http://schemas.microsoft.com/office/drawing/2014/main" id="{1B47CF2D-E5F3-4F57-BD7E-01F907D2641F}"/>
+              </a:ext>
+            </a:extLst>
+          </p:cNvPr>
+          <p:cNvPicPr>
+            <a:picLocks noChangeAspect="1"/>
+          </p:cNvPicPr>
+          <p:nvPr/>
+        </p:nvPicPr>
+        <p:blipFill>
+          <a:blip r:embed="rId4"/>
+          <a:stretch>
+            <a:fillRect/>
+          </a:stretch>
+        </p:blipFill>
+        <p:spPr>
+          <a:xfrm>
+            <a:off x="4157662" y="3282143"/>
+            <a:ext cx="6590286" cy="1020736"/>
+          </a:xfrm>
+          <a:prstGeom prst="rect">
+            <a:avLst/>
+          </a:prstGeom>
+        </p:spPr>
+      </p:pic>
+      <p:sp>
+        <p:nvSpPr>
+          <p:cNvPr id="23" name="TextBox 22">
+            <a:extLst>
+              <a:ext uri="{FF2B5EF4-FFF2-40B4-BE49-F238E27FC236}">
+                <a16:creationId xmlns:a16="http://schemas.microsoft.com/office/drawing/2014/main" id="{259D479D-EFB4-4E39-9B8C-A7DFB44FD71C}"/>
+              </a:ext>
+            </a:extLst>
+          </p:cNvPr>
+          <p:cNvSpPr txBox="1"/>
+          <p:nvPr/>
+        </p:nvSpPr>
+        <p:spPr>
+          <a:xfrm>
+            <a:off x="689548" y="5156616"/>
+            <a:ext cx="10882859" cy="369332"/>
+          </a:xfrm>
+          <a:prstGeom prst="rect">
+            <a:avLst/>
+          </a:prstGeom>
+          <a:noFill/>
+        </p:spPr>
+        <p:txBody>
+          <a:bodyPr wrap="square" rtlCol="0">
+            <a:spAutoFit/>
+          </a:bodyPr>
+          <a:lstStyle/>
+          <a:p>
+            <a:r>
+              <a:rPr lang="en-US" dirty="0"/>
+              <a:t>Conclusion – Different day of week has significantly different impact on the number of towed cars</a:t>
+            </a:r>
+          </a:p>
+        </p:txBody>
+      </p:sp>
+    </p:spTree>
+    <p:extLst>
+      <p:ext uri="{BB962C8B-B14F-4D97-AF65-F5344CB8AC3E}">
+        <p14:creationId xmlns:p14="http://schemas.microsoft.com/office/powerpoint/2010/main" val="1759660625"/>
+      </p:ext>
+    </p:extLst>
+  </p:cSld>
+  <p:clrMapOvr>
+    <a:masterClrMapping/>
+  </p:clrMapOvr>
+</p:sld>
+</file>
+
+<file path=ppt/slides/slide6.xml><?xml version="1.0" encoding="utf-8"?>
+<p:sld xmlns:a="http://schemas.openxmlformats.org/drawingml/2006/main" xmlns:r="http://schemas.openxmlformats.org/officeDocument/2006/relationships" xmlns:p="http://schemas.openxmlformats.org/presentationml/2006/main">
+  <p:cSld>
+    <p:spTree>
+      <p:nvGrpSpPr>
+        <p:cNvPr id="1" name=""/>
+        <p:cNvGrpSpPr/>
+        <p:nvPr/>
+      </p:nvGrpSpPr>
+      <p:grpSpPr>
+        <a:xfrm>
+          <a:off x="0" y="0"/>
+          <a:ext cx="0" cy="0"/>
+          <a:chOff x="0" y="0"/>
+          <a:chExt cx="0" cy="0"/>
+        </a:xfrm>
+      </p:grpSpPr>
+      <p:sp>
+        <p:nvSpPr>
+          <p:cNvPr id="12" name="TextBox 11">
+            <a:extLst>
+              <a:ext uri="{FF2B5EF4-FFF2-40B4-BE49-F238E27FC236}">
+                <a16:creationId xmlns:a16="http://schemas.microsoft.com/office/drawing/2014/main" id="{90257E67-1E3E-4F44-BA69-B30761FDAEE2}"/>
+              </a:ext>
+            </a:extLst>
+          </p:cNvPr>
+          <p:cNvSpPr txBox="1"/>
+          <p:nvPr/>
+        </p:nvSpPr>
+        <p:spPr>
+          <a:xfrm>
+            <a:off x="-1" y="512360"/>
+            <a:ext cx="11707318" cy="1077218"/>
+          </a:xfrm>
+          <a:prstGeom prst="rect">
+            <a:avLst/>
+          </a:prstGeom>
+          <a:noFill/>
+        </p:spPr>
+        <p:txBody>
+          <a:bodyPr wrap="square" rtlCol="0">
+            <a:spAutoFit/>
+          </a:bodyPr>
+          <a:lstStyle/>
+          <a:p>
+            <a:pPr lvl="1"/>
+            <a:r>
+              <a:rPr lang="en-US" sz="3200" dirty="0">
+                <a:latin typeface="Graphik" panose="020B0503030202060203" pitchFamily="34" charset="0"/>
+              </a:rPr>
+              <a:t>2. </a:t>
+            </a:r>
+            <a:r>
+              <a:rPr lang="en-US" sz="3200" dirty="0"/>
+              <a:t>What impact did holidays and cultural events have on towing?</a:t>
+            </a:r>
+          </a:p>
+          <a:p>
+            <a:pPr lvl="1"/>
+            <a:endParaRPr lang="en-US" sz="3200" dirty="0">
+              <a:latin typeface="Graphik" panose="020B0503030202060203" pitchFamily="34" charset="0"/>
+            </a:endParaRPr>
+          </a:p>
+        </p:txBody>
+      </p:sp>
+      <p:pic>
+        <p:nvPicPr>
+          <p:cNvPr id="2" name="Picture 1">
+            <a:extLst>
+              <a:ext uri="{FF2B5EF4-FFF2-40B4-BE49-F238E27FC236}">
+                <a16:creationId xmlns:a16="http://schemas.microsoft.com/office/drawing/2014/main" id="{BC34275B-C3D7-4774-BAC6-8F377CB6D245}"/>
+              </a:ext>
+            </a:extLst>
+          </p:cNvPr>
+          <p:cNvPicPr>
+            <a:picLocks noChangeAspect="1"/>
+          </p:cNvPicPr>
+          <p:nvPr/>
+        </p:nvPicPr>
+        <p:blipFill>
+          <a:blip r:embed="rId2"/>
+          <a:stretch>
+            <a:fillRect/>
+          </a:stretch>
+        </p:blipFill>
+        <p:spPr>
+          <a:xfrm>
+            <a:off x="1858781" y="1452562"/>
+            <a:ext cx="8649324" cy="4408592"/>
+          </a:xfrm>
+          <a:prstGeom prst="rect">
+            <a:avLst/>
+          </a:prstGeom>
+        </p:spPr>
+      </p:pic>
+    </p:spTree>
+    <p:extLst>
+      <p:ext uri="{BB962C8B-B14F-4D97-AF65-F5344CB8AC3E}">
+        <p14:creationId xmlns:p14="http://schemas.microsoft.com/office/powerpoint/2010/main" val="11652947"/>
+      </p:ext>
+    </p:extLst>
+  </p:cSld>
+  <p:clrMapOvr>
+    <a:masterClrMapping/>
+  </p:clrMapOvr>
+</p:sld>
+</file>
+
+<file path=ppt/slides/slide7.xml><?xml version="1.0" encoding="utf-8"?>
+<p:sld xmlns:a="http://schemas.openxmlformats.org/drawingml/2006/main" xmlns:r="http://schemas.openxmlformats.org/officeDocument/2006/relationships" xmlns:p="http://schemas.openxmlformats.org/presentationml/2006/main">
+  <p:cSld>
+    <p:spTree>
+      <p:nvGrpSpPr>
+        <p:cNvPr id="1" name=""/>
+        <p:cNvGrpSpPr/>
+        <p:nvPr/>
+      </p:nvGrpSpPr>
+      <p:grpSpPr>
+        <a:xfrm>
+          <a:off x="0" y="0"/>
+          <a:ext cx="0" cy="0"/>
+          <a:chOff x="0" y="0"/>
+          <a:chExt cx="0" cy="0"/>
+        </a:xfrm>
+      </p:grpSpPr>
+      <p:pic>
+        <p:nvPicPr>
+          <p:cNvPr id="4" name="Picture 3">
+            <a:extLst>
+              <a:ext uri="{FF2B5EF4-FFF2-40B4-BE49-F238E27FC236}">
+                <a16:creationId xmlns:a16="http://schemas.microsoft.com/office/drawing/2014/main" id="{5A2700E5-7CE5-4955-A7F0-58CE3248ECAF}"/>
+              </a:ext>
+            </a:extLst>
+          </p:cNvPr>
+          <p:cNvPicPr>
+            <a:picLocks noChangeAspect="1"/>
+          </p:cNvPicPr>
+          <p:nvPr/>
+        </p:nvPicPr>
+        <p:blipFill>
+          <a:blip r:embed="rId2"/>
+          <a:stretch>
+            <a:fillRect/>
+          </a:stretch>
+        </p:blipFill>
+        <p:spPr>
+          <a:xfrm>
+            <a:off x="1855910" y="1212532"/>
+            <a:ext cx="7766392" cy="4067175"/>
+          </a:xfrm>
+          <a:prstGeom prst="rect">
+            <a:avLst/>
+          </a:prstGeom>
+        </p:spPr>
+      </p:pic>
+      <p:sp>
+        <p:nvSpPr>
+          <p:cNvPr id="5" name="TextBox 4">
+            <a:extLst>
+              <a:ext uri="{FF2B5EF4-FFF2-40B4-BE49-F238E27FC236}">
+                <a16:creationId xmlns:a16="http://schemas.microsoft.com/office/drawing/2014/main" id="{80B5503F-DBDC-4DAD-8203-A8DA8D0EC0C7}"/>
+              </a:ext>
+            </a:extLst>
+          </p:cNvPr>
+          <p:cNvSpPr txBox="1"/>
+          <p:nvPr/>
+        </p:nvSpPr>
+        <p:spPr>
+          <a:xfrm>
+            <a:off x="689548" y="465891"/>
+            <a:ext cx="9548734" cy="369332"/>
+          </a:xfrm>
+          <a:prstGeom prst="rect">
+            <a:avLst/>
+          </a:prstGeom>
+          <a:noFill/>
+        </p:spPr>
+        <p:txBody>
+          <a:bodyPr wrap="square" rtlCol="0">
+            <a:spAutoFit/>
+          </a:bodyPr>
+          <a:lstStyle/>
+          <a:p>
+            <a:r>
+              <a:rPr lang="en-US" dirty="0"/>
+              <a:t>Then, we also compare this year’s Xmas data with the average Tuesday data</a:t>
+            </a:r>
+          </a:p>
+        </p:txBody>
+      </p:sp>
+      <p:sp>
+        <p:nvSpPr>
+          <p:cNvPr id="6" name="TextBox 5">
+            <a:extLst>
+              <a:ext uri="{FF2B5EF4-FFF2-40B4-BE49-F238E27FC236}">
+                <a16:creationId xmlns:a16="http://schemas.microsoft.com/office/drawing/2014/main" id="{039E776F-800E-4D50-86C8-6E00934B2E68}"/>
+              </a:ext>
+            </a:extLst>
+          </p:cNvPr>
+          <p:cNvSpPr txBox="1"/>
+          <p:nvPr/>
+        </p:nvSpPr>
+        <p:spPr>
+          <a:xfrm>
+            <a:off x="841948" y="5657016"/>
+            <a:ext cx="9548734" cy="646331"/>
+          </a:xfrm>
+          <a:prstGeom prst="rect">
+            <a:avLst/>
+          </a:prstGeom>
+          <a:noFill/>
+        </p:spPr>
+        <p:txBody>
+          <a:bodyPr wrap="square" rtlCol="0">
+            <a:spAutoFit/>
+          </a:bodyPr>
+          <a:lstStyle/>
+          <a:p>
+            <a:r>
+              <a:rPr lang="en-US" dirty="0"/>
+              <a:t>Conclusion – We believe the holidays like Christmas do have impact on the number of towed cars, because during this family holiday, people tend to stay home with family includes the police officer </a:t>
+            </a:r>
+          </a:p>
+        </p:txBody>
+      </p:sp>
+    </p:spTree>
+    <p:extLst>
+      <p:ext uri="{BB962C8B-B14F-4D97-AF65-F5344CB8AC3E}">
+        <p14:creationId xmlns:p14="http://schemas.microsoft.com/office/powerpoint/2010/main" val="629032958"/>
+      </p:ext>
+    </p:extLst>
+  </p:cSld>
+  <p:clrMapOvr>
+    <a:masterClrMapping/>
+  </p:clrMapOvr>
+</p:sld>
+</file>
+
+<file path=ppt/slides/slide8.xml><?xml version="1.0" encoding="utf-8"?>
+<p:sld xmlns:a="http://schemas.openxmlformats.org/drawingml/2006/main" xmlns:r="http://schemas.openxmlformats.org/officeDocument/2006/relationships" xmlns:p="http://schemas.openxmlformats.org/presentationml/2006/main">
+  <p:cSld>
+    <p:spTree>
+      <p:nvGrpSpPr>
+        <p:cNvPr id="1" name=""/>
+        <p:cNvGrpSpPr/>
+        <p:nvPr/>
+      </p:nvGrpSpPr>
+      <p:grpSpPr>
+        <a:xfrm>
+          <a:off x="0" y="0"/>
+          <a:ext cx="0" cy="0"/>
+          <a:chOff x="0" y="0"/>
+          <a:chExt cx="0" cy="0"/>
+        </a:xfrm>
+      </p:grpSpPr>
+      <p:sp>
+        <p:nvSpPr>
+          <p:cNvPr id="2" name="Title 1">
+            <a:extLst>
+              <a:ext uri="{FF2B5EF4-FFF2-40B4-BE49-F238E27FC236}">
+                <a16:creationId xmlns:a16="http://schemas.microsoft.com/office/drawing/2014/main" id="{4F4BBC07-BBD8-2E42-A4E2-17155A643676}"/>
+              </a:ext>
+            </a:extLst>
+          </p:cNvPr>
+          <p:cNvSpPr>
+            <a:spLocks noGrp="1"/>
+          </p:cNvSpPr>
+          <p:nvPr>
+            <p:ph type="title"/>
+          </p:nvPr>
+        </p:nvSpPr>
+        <p:spPr/>
+        <p:txBody>
+          <a:bodyPr/>
+          <a:lstStyle/>
+          <a:p>
+            <a:r>
+              <a:rPr lang="en-US" dirty="0"/>
+              <a:t>Questions 3 and 4</a:t>
+            </a:r>
+          </a:p>
+        </p:txBody>
+      </p:sp>
+      <p:sp>
+        <p:nvSpPr>
+          <p:cNvPr id="4" name="Text Placeholder 3">
+            <a:extLst>
+              <a:ext uri="{FF2B5EF4-FFF2-40B4-BE49-F238E27FC236}">
+                <a16:creationId xmlns:a16="http://schemas.microsoft.com/office/drawing/2014/main" id="{67640997-494C-CF46-9366-A3B4D2C8540C}"/>
+              </a:ext>
+            </a:extLst>
+          </p:cNvPr>
+          <p:cNvSpPr>
+            <a:spLocks noGrp="1"/>
+          </p:cNvSpPr>
+          <p:nvPr>
+            <p:ph type="body" idx="1"/>
+          </p:nvPr>
+        </p:nvSpPr>
+        <p:spPr/>
+        <p:txBody>
+          <a:bodyPr/>
+          <a:lstStyle/>
+          <a:p>
+            <a:endParaRPr lang="en-US"/>
+          </a:p>
+        </p:txBody>
+      </p:sp>
+    </p:spTree>
+    <p:extLst>
+      <p:ext uri="{BB962C8B-B14F-4D97-AF65-F5344CB8AC3E}">
+        <p14:creationId xmlns:p14="http://schemas.microsoft.com/office/powerpoint/2010/main" val="554516089"/>
       </p:ext>
     </p:extLst>
   </p:cSld>
@@ -4870,7 +5504,7 @@
           <p:cNvPr id="2" name="Title 1">
             <a:extLst>
               <a:ext uri="{FF2B5EF4-FFF2-40B4-BE49-F238E27FC236}">
-                <a16:creationId xmlns:a16="http://schemas.microsoft.com/office/drawing/2014/main" id="{3623C55F-098E-EB45-8951-AAE613E48102}"/>
+                <a16:creationId xmlns:a16="http://schemas.microsoft.com/office/drawing/2014/main" id="{31E8BB90-D390-CA45-AD33-0856F776D88E}"/>
               </a:ext>
             </a:extLst>
           </p:cNvPr>
@@ -4888,44 +5522,40 @@
           <a:p>
             <a:r>
               <a:rPr lang="en-US" dirty="0"/>
-              <a:t>Plates</a:t>
-            </a:r>
-          </a:p>
-        </p:txBody>
-      </p:sp>
-      <p:pic>
-        <p:nvPicPr>
-          <p:cNvPr id="5" name="Content Placeholder 4">
-            <a:extLst>
-              <a:ext uri="{FF2B5EF4-FFF2-40B4-BE49-F238E27FC236}">
-                <a16:creationId xmlns:a16="http://schemas.microsoft.com/office/drawing/2014/main" id="{39C05BE1-B9A3-5841-90D1-449857A7A323}"/>
-              </a:ext>
-            </a:extLst>
-          </p:cNvPr>
-          <p:cNvPicPr>
-            <a:picLocks noGrp="1" noChangeAspect="1"/>
-          </p:cNvPicPr>
-          <p:nvPr>
-            <p:ph idx="1"/>
-          </p:nvPr>
-        </p:nvPicPr>
-        <p:blipFill>
-          <a:blip r:embed="rId3"/>
-          <a:stretch>
-            <a:fillRect/>
-          </a:stretch>
-        </p:blipFill>
-        <p:spPr>
-          <a:xfrm>
-            <a:off x="0" y="2667794"/>
-            <a:ext cx="10515600" cy="1752600"/>
-          </a:xfrm>
-        </p:spPr>
-      </p:pic>
+              <a:t>Questions 5 and 6</a:t>
+            </a:r>
+          </a:p>
+        </p:txBody>
+      </p:sp>
+      <p:sp>
+        <p:nvSpPr>
+          <p:cNvPr id="4" name="Text Placeholder 3">
+            <a:extLst>
+              <a:ext uri="{FF2B5EF4-FFF2-40B4-BE49-F238E27FC236}">
+                <a16:creationId xmlns:a16="http://schemas.microsoft.com/office/drawing/2014/main" id="{B42A0A87-7AC9-864A-B700-0A546169EA59}"/>
+              </a:ext>
+            </a:extLst>
+          </p:cNvPr>
+          <p:cNvSpPr>
+            <a:spLocks noGrp="1"/>
+          </p:cNvSpPr>
+          <p:nvPr>
+            <p:ph type="body" idx="1"/>
+          </p:nvPr>
+        </p:nvSpPr>
+        <p:spPr/>
+        <p:txBody>
+          <a:bodyPr/>
+          <a:lstStyle/>
+          <a:p>
+            <a:endParaRPr lang="en-US"/>
+          </a:p>
+        </p:txBody>
+      </p:sp>
     </p:spTree>
     <p:extLst>
       <p:ext uri="{BB962C8B-B14F-4D97-AF65-F5344CB8AC3E}">
-        <p14:creationId xmlns:p14="http://schemas.microsoft.com/office/powerpoint/2010/main" val="2864676136"/>
+        <p14:creationId xmlns:p14="http://schemas.microsoft.com/office/powerpoint/2010/main" val="783432784"/>
       </p:ext>
     </p:extLst>
   </p:cSld>

--- a/Project1.pptx
+++ b/Project1.pptx
@@ -5,7 +5,7 @@
     <p:sldMasterId id="2147483648" r:id="rId1"/>
   </p:sldMasterIdLst>
   <p:notesMasterIdLst>
-    <p:notesMasterId r:id="rId15"/>
+    <p:notesMasterId r:id="rId16"/>
   </p:notesMasterIdLst>
   <p:sldIdLst>
     <p:sldId id="256" r:id="rId2"/>
@@ -16,11 +16,12 @@
     <p:sldId id="268" r:id="rId7"/>
     <p:sldId id="265" r:id="rId8"/>
     <p:sldId id="259" r:id="rId9"/>
-    <p:sldId id="260" r:id="rId10"/>
-    <p:sldId id="261" r:id="rId11"/>
-    <p:sldId id="262" r:id="rId12"/>
-    <p:sldId id="263" r:id="rId13"/>
-    <p:sldId id="264" r:id="rId14"/>
+    <p:sldId id="270" r:id="rId10"/>
+    <p:sldId id="260" r:id="rId11"/>
+    <p:sldId id="261" r:id="rId12"/>
+    <p:sldId id="262" r:id="rId13"/>
+    <p:sldId id="263" r:id="rId14"/>
+    <p:sldId id="264" r:id="rId15"/>
   </p:sldIdLst>
   <p:sldSz cx="12192000" cy="6858000"/>
   <p:notesSz cx="6858000" cy="9144000"/>
@@ -120,6 +121,32 @@
     </a:lvl9pPr>
   </p:defaultTextStyle>
   <p:extLst>
+    <p:ext uri="{521415D9-36F7-43E2-AB2F-B90AF26B5E84}">
+      <p14:sectionLst xmlns:p14="http://schemas.microsoft.com/office/powerpoint/2010/main">
+        <p14:section name="Default Section" id="{77369E52-1DC3-4883-8A9F-DBEB01807C26}">
+          <p14:sldIdLst>
+            <p14:sldId id="256"/>
+            <p14:sldId id="257"/>
+            <p14:sldId id="267"/>
+            <p14:sldId id="269"/>
+            <p14:sldId id="258"/>
+            <p14:sldId id="268"/>
+            <p14:sldId id="265"/>
+          </p14:sldIdLst>
+        </p14:section>
+        <p14:section name="Untitled Section" id="{E2DC97CC-C018-4B03-8DBD-8768BDCBFDE7}">
+          <p14:sldIdLst>
+            <p14:sldId id="259"/>
+            <p14:sldId id="270"/>
+            <p14:sldId id="260"/>
+            <p14:sldId id="261"/>
+            <p14:sldId id="262"/>
+            <p14:sldId id="263"/>
+            <p14:sldId id="264"/>
+          </p14:sldIdLst>
+        </p14:section>
+      </p14:sectionLst>
+    </p:ext>
     <p:ext uri="{EFAFB233-063F-42B5-8137-9DF3F51BA10A}">
       <p15:sldGuideLst xmlns:p15="http://schemas.microsoft.com/office/powerpoint/2012/main"/>
     </p:ext>
@@ -566,7 +593,7 @@
           <a:p>
             <a:fld id="{1ABBD873-08CC-CF45-9A1C-8FC61122CEB0}" type="slidenum">
               <a:rPr lang="en-US" smtClean="0"/>
-              <a:t>11</a:t>
+              <a:t>12</a:t>
             </a:fld>
             <a:endParaRPr lang="en-US"/>
           </a:p>
@@ -712,7 +739,7 @@
           <a:p>
             <a:fld id="{1ABBD873-08CC-CF45-9A1C-8FC61122CEB0}" type="slidenum">
               <a:rPr lang="en-US" smtClean="0"/>
-              <a:t>13</a:t>
+              <a:t>14</a:t>
             </a:fld>
             <a:endParaRPr lang="en-US"/>
           </a:p>
@@ -4039,6 +4066,186 @@
       </p:grpSpPr>
       <p:sp>
         <p:nvSpPr>
+          <p:cNvPr id="2" name="Title 1">
+            <a:extLst>
+              <a:ext uri="{FF2B5EF4-FFF2-40B4-BE49-F238E27FC236}">
+                <a16:creationId xmlns:a16="http://schemas.microsoft.com/office/drawing/2014/main" id="{31E8BB90-D390-CA45-AD33-0856F776D88E}"/>
+              </a:ext>
+            </a:extLst>
+          </p:cNvPr>
+          <p:cNvSpPr>
+            <a:spLocks noGrp="1"/>
+          </p:cNvSpPr>
+          <p:nvPr>
+            <p:ph type="title"/>
+          </p:nvPr>
+        </p:nvSpPr>
+        <p:spPr>
+          <a:xfrm>
+            <a:off x="831850" y="414989"/>
+            <a:ext cx="10515600" cy="548640"/>
+          </a:xfrm>
+        </p:spPr>
+        <p:txBody>
+          <a:bodyPr>
+            <a:normAutofit fontScale="90000"/>
+          </a:bodyPr>
+          <a:lstStyle/>
+          <a:p>
+            <a:pPr marL="457200" lvl="1" algn="l"/>
+            <a:r>
+              <a:rPr lang="en-US" sz="3200" kern="1200">
+                <a:solidFill>
+                  <a:schemeClr val="tx1"/>
+                </a:solidFill>
+                <a:latin typeface="+mn-lt"/>
+                <a:ea typeface="+mn-ea"/>
+                <a:cs typeface="+mn-cs"/>
+              </a:rPr>
+              <a:t>5. What percentage of towed cars are abandoned cars?</a:t>
+            </a:r>
+            <a:endParaRPr lang="en-US" sz="3200" kern="1200" dirty="0">
+              <a:solidFill>
+                <a:schemeClr val="tx1"/>
+              </a:solidFill>
+              <a:latin typeface="+mn-lt"/>
+              <a:ea typeface="+mn-ea"/>
+              <a:cs typeface="+mn-cs"/>
+            </a:endParaRPr>
+          </a:p>
+        </p:txBody>
+      </p:sp>
+      <p:sp>
+        <p:nvSpPr>
+          <p:cNvPr id="4" name="Text Placeholder 3">
+            <a:extLst>
+              <a:ext uri="{FF2B5EF4-FFF2-40B4-BE49-F238E27FC236}">
+                <a16:creationId xmlns:a16="http://schemas.microsoft.com/office/drawing/2014/main" id="{B42A0A87-7AC9-864A-B700-0A546169EA59}"/>
+              </a:ext>
+            </a:extLst>
+          </p:cNvPr>
+          <p:cNvSpPr>
+            <a:spLocks noGrp="1"/>
+          </p:cNvSpPr>
+          <p:nvPr>
+            <p:ph type="body" idx="1"/>
+          </p:nvPr>
+        </p:nvSpPr>
+        <p:spPr>
+          <a:xfrm>
+            <a:off x="831850" y="1899138"/>
+            <a:ext cx="10515600" cy="4607169"/>
+          </a:xfrm>
+        </p:spPr>
+        <p:txBody>
+          <a:bodyPr>
+            <a:normAutofit fontScale="92500" lnSpcReduction="10000"/>
+          </a:bodyPr>
+          <a:lstStyle/>
+          <a:p>
+            <a:endParaRPr lang="en-US" dirty="0"/>
+          </a:p>
+          <a:p>
+            <a:endParaRPr lang="en-US" dirty="0"/>
+          </a:p>
+          <a:p>
+            <a:endParaRPr lang="en-US" dirty="0"/>
+          </a:p>
+          <a:p>
+            <a:endParaRPr lang="en-US" dirty="0"/>
+          </a:p>
+          <a:p>
+            <a:endParaRPr lang="en-US" dirty="0"/>
+          </a:p>
+          <a:p>
+            <a:endParaRPr lang="en-US" dirty="0"/>
+          </a:p>
+          <a:p>
+            <a:endParaRPr lang="en-US" dirty="0"/>
+          </a:p>
+          <a:p>
+            <a:endParaRPr lang="en-US" dirty="0"/>
+          </a:p>
+          <a:p>
+            <a:endParaRPr lang="en-US" dirty="0"/>
+          </a:p>
+          <a:p>
+            <a:endParaRPr lang="en-US" dirty="0"/>
+          </a:p>
+          <a:p>
+            <a:r>
+              <a:rPr lang="en-US" sz="1900" dirty="0">
+                <a:solidFill>
+                  <a:schemeClr val="tx1"/>
+                </a:solidFill>
+              </a:rPr>
+              <a:t>Only 3 % of towed cars are abandon cars over the 90 days but that is 138 cars are  abandoned and towed .</a:t>
+            </a:r>
+          </a:p>
+        </p:txBody>
+      </p:sp>
+      <p:pic>
+        <p:nvPicPr>
+          <p:cNvPr id="5" name="Picture 4">
+            <a:extLst>
+              <a:ext uri="{FF2B5EF4-FFF2-40B4-BE49-F238E27FC236}">
+                <a16:creationId xmlns:a16="http://schemas.microsoft.com/office/drawing/2014/main" id="{561A52ED-CD8C-4A16-889F-53997FC152AF}"/>
+              </a:ext>
+            </a:extLst>
+          </p:cNvPr>
+          <p:cNvPicPr>
+            <a:picLocks noChangeAspect="1"/>
+          </p:cNvPicPr>
+          <p:nvPr/>
+        </p:nvPicPr>
+        <p:blipFill>
+          <a:blip r:embed="rId2"/>
+          <a:stretch>
+            <a:fillRect/>
+          </a:stretch>
+        </p:blipFill>
+        <p:spPr>
+          <a:xfrm>
+            <a:off x="2630658" y="1599783"/>
+            <a:ext cx="6566096" cy="3921786"/>
+          </a:xfrm>
+          <a:prstGeom prst="rect">
+            <a:avLst/>
+          </a:prstGeom>
+        </p:spPr>
+      </p:pic>
+    </p:spTree>
+    <p:extLst>
+      <p:ext uri="{BB962C8B-B14F-4D97-AF65-F5344CB8AC3E}">
+        <p14:creationId xmlns:p14="http://schemas.microsoft.com/office/powerpoint/2010/main" val="783432784"/>
+      </p:ext>
+    </p:extLst>
+  </p:cSld>
+  <p:clrMapOvr>
+    <a:masterClrMapping/>
+  </p:clrMapOvr>
+</p:sld>
+</file>
+
+<file path=ppt/slides/slide11.xml><?xml version="1.0" encoding="utf-8"?>
+<p:sld xmlns:a="http://schemas.openxmlformats.org/drawingml/2006/main" xmlns:r="http://schemas.openxmlformats.org/officeDocument/2006/relationships" xmlns:p="http://schemas.openxmlformats.org/presentationml/2006/main">
+  <p:cSld>
+    <p:spTree>
+      <p:nvGrpSpPr>
+        <p:cNvPr id="1" name=""/>
+        <p:cNvGrpSpPr/>
+        <p:nvPr/>
+      </p:nvGrpSpPr>
+      <p:grpSpPr>
+        <a:xfrm>
+          <a:off x="0" y="0"/>
+          <a:ext cx="0" cy="0"/>
+          <a:chOff x="0" y="0"/>
+          <a:chExt cx="0" cy="0"/>
+        </a:xfrm>
+      </p:grpSpPr>
+      <p:sp>
+        <p:nvSpPr>
           <p:cNvPr id="4" name="Title 3">
             <a:extLst>
               <a:ext uri="{FF2B5EF4-FFF2-40B4-BE49-F238E27FC236}">
@@ -4107,7 +4314,7 @@
 </p:sld>
 </file>
 
-<file path=ppt/slides/slide11.xml><?xml version="1.0" encoding="utf-8"?>
+<file path=ppt/slides/slide12.xml><?xml version="1.0" encoding="utf-8"?>
 <p:sld xmlns:a="http://schemas.openxmlformats.org/drawingml/2006/main" xmlns:r="http://schemas.openxmlformats.org/officeDocument/2006/relationships" xmlns:p="http://schemas.openxmlformats.org/presentationml/2006/main">
   <p:cSld>
     <p:spTree>
@@ -4282,7 +4489,7 @@
 </p:sld>
 </file>
 
-<file path=ppt/slides/slide12.xml><?xml version="1.0" encoding="utf-8"?>
+<file path=ppt/slides/slide13.xml><?xml version="1.0" encoding="utf-8"?>
 <p:sld xmlns:a="http://schemas.openxmlformats.org/drawingml/2006/main" xmlns:r="http://schemas.openxmlformats.org/officeDocument/2006/relationships" xmlns:p="http://schemas.openxmlformats.org/presentationml/2006/main">
   <p:cSld>
     <p:spTree>
@@ -4446,7 +4653,7 @@
 </p:sld>
 </file>
 
-<file path=ppt/slides/slide13.xml><?xml version="1.0" encoding="utf-8"?>
+<file path=ppt/slides/slide14.xml><?xml version="1.0" encoding="utf-8"?>
 <p:sld xmlns:a="http://schemas.openxmlformats.org/drawingml/2006/main" xmlns:r="http://schemas.openxmlformats.org/officeDocument/2006/relationships" xmlns:p="http://schemas.openxmlformats.org/presentationml/2006/main">
   <p:cSld>
     <p:spTree>
@@ -4604,7 +4811,7 @@
             </a:pPr>
             <a:r>
               <a:rPr lang="en-US" dirty="0"/>
-              <a:t>Using ”Chicago Towed Vehicles” we wanted to answer these questions:</a:t>
+              <a:t>Using ”Chicago Towed Vehicles and  Abandon cars data” we wanted to answer these questions:</a:t>
             </a:r>
           </a:p>
           <a:p>
@@ -4644,7 +4851,7 @@
             </a:pPr>
             <a:r>
               <a:rPr lang="en-US" dirty="0"/>
-              <a:t>What percentage of abandoned cars are towed?</a:t>
+              <a:t>What percentage of towed cars are abandoned cars?</a:t>
             </a:r>
           </a:p>
           <a:p>
@@ -5432,40 +5639,115 @@
             <p:ph type="title"/>
           </p:nvPr>
         </p:nvSpPr>
-        <p:spPr/>
+        <p:spPr>
+          <a:xfrm>
+            <a:off x="831850" y="618978"/>
+            <a:ext cx="10515600" cy="534573"/>
+          </a:xfrm>
+        </p:spPr>
+        <p:txBody>
+          <a:bodyPr/>
+          <a:lstStyle/>
+          <a:p>
+            <a:r>
+              <a:rPr lang="en-US" sz="3200" dirty="0">
+                <a:latin typeface="Graphik" panose="020B0503030202060203" pitchFamily="34" charset="0"/>
+                <a:ea typeface="+mn-ea"/>
+                <a:cs typeface="+mn-cs"/>
+              </a:rPr>
+              <a:t>3. How long does it take for an abandoned car to be towed?</a:t>
+            </a:r>
+          </a:p>
+        </p:txBody>
+      </p:sp>
+      <p:pic>
+        <p:nvPicPr>
+          <p:cNvPr id="5" name="Picture 4">
+            <a:extLst>
+              <a:ext uri="{FF2B5EF4-FFF2-40B4-BE49-F238E27FC236}">
+                <a16:creationId xmlns:a16="http://schemas.microsoft.com/office/drawing/2014/main" id="{F2512084-37BA-40B3-A8C2-F99F495E7A11}"/>
+              </a:ext>
+            </a:extLst>
+          </p:cNvPr>
+          <p:cNvPicPr>
+            <a:picLocks noChangeAspect="1"/>
+          </p:cNvPicPr>
+          <p:nvPr/>
+        </p:nvPicPr>
+        <p:blipFill>
+          <a:blip r:embed="rId2"/>
+          <a:stretch>
+            <a:fillRect/>
+          </a:stretch>
+        </p:blipFill>
+        <p:spPr>
+          <a:xfrm>
+            <a:off x="1149350" y="1934309"/>
+            <a:ext cx="9214338" cy="1939070"/>
+          </a:xfrm>
+          <a:prstGeom prst="rect">
+            <a:avLst/>
+          </a:prstGeom>
+        </p:spPr>
+      </p:pic>
+      <p:sp>
+        <p:nvSpPr>
+          <p:cNvPr id="4" name="Text Placeholder 3">
+            <a:extLst>
+              <a:ext uri="{FF2B5EF4-FFF2-40B4-BE49-F238E27FC236}">
+                <a16:creationId xmlns:a16="http://schemas.microsoft.com/office/drawing/2014/main" id="{67640997-494C-CF46-9366-A3B4D2C8540C}"/>
+              </a:ext>
+            </a:extLst>
+          </p:cNvPr>
+          <p:cNvSpPr>
+            <a:spLocks noGrp="1"/>
+          </p:cNvSpPr>
+          <p:nvPr>
+            <p:ph type="body" idx="1"/>
+          </p:nvPr>
+        </p:nvSpPr>
+        <p:spPr>
+          <a:xfrm>
+            <a:off x="1149350" y="1441939"/>
+            <a:ext cx="10515600" cy="4401527"/>
+          </a:xfrm>
+        </p:spPr>
         <p:txBody>
           <a:bodyPr/>
           <a:lstStyle/>
           <a:p>
             <a:r>
               <a:rPr lang="en-US" dirty="0"/>
-              <a:t>Questions 3 and 4</a:t>
-            </a:r>
-          </a:p>
-        </p:txBody>
-      </p:sp>
-      <p:sp>
-        <p:nvSpPr>
-          <p:cNvPr id="4" name="Text Placeholder 3">
-            <a:extLst>
-              <a:ext uri="{FF2B5EF4-FFF2-40B4-BE49-F238E27FC236}">
-                <a16:creationId xmlns:a16="http://schemas.microsoft.com/office/drawing/2014/main" id="{67640997-494C-CF46-9366-A3B4D2C8540C}"/>
-              </a:ext>
-            </a:extLst>
-          </p:cNvPr>
-          <p:cNvSpPr>
-            <a:spLocks noGrp="1"/>
-          </p:cNvSpPr>
-          <p:nvPr>
-            <p:ph type="body" idx="1"/>
-          </p:nvPr>
-        </p:nvSpPr>
-        <p:spPr/>
-        <p:txBody>
-          <a:bodyPr/>
-          <a:lstStyle/>
-          <a:p>
-            <a:endParaRPr lang="en-US"/>
+              <a:t>                                                                                                                                                              </a:t>
+            </a:r>
+          </a:p>
+          <a:p>
+            <a:endParaRPr lang="en-US" dirty="0"/>
+          </a:p>
+          <a:p>
+            <a:endParaRPr lang="en-US" dirty="0"/>
+          </a:p>
+          <a:p>
+            <a:endParaRPr lang="en-US" dirty="0"/>
+          </a:p>
+          <a:p>
+            <a:endParaRPr lang="en-US" dirty="0"/>
+          </a:p>
+          <a:p>
+            <a:endParaRPr lang="en-US" dirty="0"/>
+          </a:p>
+          <a:p>
+            <a:r>
+              <a:rPr lang="en-US" sz="1800" dirty="0">
+                <a:solidFill>
+                  <a:schemeClr val="tx1"/>
+                </a:solidFill>
+              </a:rPr>
+              <a:t>Conclusion: It takes about 23 days for a abandon car to be towed from it is reported. Also it was observed that cars reported abandon in  November and December took longer to towed then the cars reported in February and March</a:t>
+            </a:r>
+          </a:p>
+          <a:p>
+            <a:endParaRPr lang="en-US" dirty="0"/>
           </a:p>
         </p:txBody>
       </p:sp>
@@ -5504,7 +5786,7 @@
           <p:cNvPr id="2" name="Title 1">
             <a:extLst>
               <a:ext uri="{FF2B5EF4-FFF2-40B4-BE49-F238E27FC236}">
-                <a16:creationId xmlns:a16="http://schemas.microsoft.com/office/drawing/2014/main" id="{31E8BB90-D390-CA45-AD33-0856F776D88E}"/>
+                <a16:creationId xmlns:a16="http://schemas.microsoft.com/office/drawing/2014/main" id="{3BE0EB24-2896-4CAA-A6F1-092CF2FE8E06}"/>
               </a:ext>
             </a:extLst>
           </p:cNvPr>
@@ -5515,24 +5797,34 @@
             <p:ph type="title"/>
           </p:nvPr>
         </p:nvSpPr>
-        <p:spPr/>
-        <p:txBody>
-          <a:bodyPr/>
-          <a:lstStyle/>
-          <a:p>
-            <a:r>
-              <a:rPr lang="en-US" dirty="0"/>
-              <a:t>Questions 5 and 6</a:t>
-            </a:r>
-          </a:p>
-        </p:txBody>
-      </p:sp>
-      <p:sp>
-        <p:nvSpPr>
-          <p:cNvPr id="4" name="Text Placeholder 3">
-            <a:extLst>
-              <a:ext uri="{FF2B5EF4-FFF2-40B4-BE49-F238E27FC236}">
-                <a16:creationId xmlns:a16="http://schemas.microsoft.com/office/drawing/2014/main" id="{B42A0A87-7AC9-864A-B700-0A546169EA59}"/>
+        <p:spPr>
+          <a:xfrm>
+            <a:off x="831850" y="393896"/>
+            <a:ext cx="10515600" cy="1026941"/>
+          </a:xfrm>
+        </p:spPr>
+        <p:txBody>
+          <a:bodyPr/>
+          <a:lstStyle/>
+          <a:p>
+            <a:pPr algn="ctr"/>
+            <a:r>
+              <a:rPr lang="en-US" sz="3200" dirty="0">
+                <a:latin typeface="+mn-lt"/>
+                <a:ea typeface="+mn-ea"/>
+                <a:cs typeface="+mn-cs"/>
+              </a:rPr>
+              <a:t>Scatter Plot for Abandon cars</a:t>
+            </a:r>
+          </a:p>
+        </p:txBody>
+      </p:sp>
+      <p:sp>
+        <p:nvSpPr>
+          <p:cNvPr id="5" name="Text Placeholder 4">
+            <a:extLst>
+              <a:ext uri="{FF2B5EF4-FFF2-40B4-BE49-F238E27FC236}">
+                <a16:creationId xmlns:a16="http://schemas.microsoft.com/office/drawing/2014/main" id="{50A568E3-80D1-49D1-975D-DD58F63EDF09}"/>
               </a:ext>
             </a:extLst>
           </p:cNvPr>
@@ -5543,19 +5835,54 @@
             <p:ph type="body" idx="1"/>
           </p:nvPr>
         </p:nvSpPr>
-        <p:spPr/>
-        <p:txBody>
-          <a:bodyPr/>
-          <a:lstStyle/>
-          <a:p>
-            <a:endParaRPr lang="en-US"/>
-          </a:p>
-        </p:txBody>
-      </p:sp>
+        <p:spPr>
+          <a:xfrm>
+            <a:off x="831850" y="1420837"/>
+            <a:ext cx="10515600" cy="4668813"/>
+          </a:xfrm>
+        </p:spPr>
+        <p:txBody>
+          <a:bodyPr/>
+          <a:lstStyle/>
+          <a:p>
+            <a:endParaRPr lang="en-US" dirty="0"/>
+          </a:p>
+        </p:txBody>
+      </p:sp>
+      <p:pic>
+        <p:nvPicPr>
+          <p:cNvPr id="7" name="Picture 6">
+            <a:extLst>
+              <a:ext uri="{FF2B5EF4-FFF2-40B4-BE49-F238E27FC236}">
+                <a16:creationId xmlns:a16="http://schemas.microsoft.com/office/drawing/2014/main" id="{232BD121-64BA-404C-ACCC-B659131E6B95}"/>
+              </a:ext>
+            </a:extLst>
+          </p:cNvPr>
+          <p:cNvPicPr>
+            <a:picLocks noChangeAspect="1"/>
+          </p:cNvPicPr>
+          <p:nvPr/>
+        </p:nvPicPr>
+        <p:blipFill>
+          <a:blip r:embed="rId2"/>
+          <a:stretch>
+            <a:fillRect/>
+          </a:stretch>
+        </p:blipFill>
+        <p:spPr>
+          <a:xfrm>
+            <a:off x="604911" y="1420836"/>
+            <a:ext cx="10634589" cy="5437163"/>
+          </a:xfrm>
+          <a:prstGeom prst="rect">
+            <a:avLst/>
+          </a:prstGeom>
+        </p:spPr>
+      </p:pic>
     </p:spTree>
     <p:extLst>
       <p:ext uri="{BB962C8B-B14F-4D97-AF65-F5344CB8AC3E}">
-        <p14:creationId xmlns:p14="http://schemas.microsoft.com/office/powerpoint/2010/main" val="783432784"/>
+        <p14:creationId xmlns:p14="http://schemas.microsoft.com/office/powerpoint/2010/main" val="3179449234"/>
       </p:ext>
     </p:extLst>
   </p:cSld>

--- a/Project1.pptx
+++ b/Project1.pptx
@@ -4915,7 +4915,7 @@
         </p:blipFill>
         <p:spPr>
           <a:xfrm>
-            <a:off x="1806314" y="1409075"/>
+            <a:off x="1806314" y="1474414"/>
             <a:ext cx="8094689" cy="4083189"/>
           </a:xfrm>
           <a:prstGeom prst="rect">

--- a/Project1.pptx
+++ b/Project1.pptx
@@ -5,7 +5,7 @@
     <p:sldMasterId id="2147483648" r:id="rId1"/>
   </p:sldMasterIdLst>
   <p:notesMasterIdLst>
-    <p:notesMasterId r:id="rId15"/>
+    <p:notesMasterId r:id="rId16"/>
   </p:notesMasterIdLst>
   <p:sldIdLst>
     <p:sldId id="256" r:id="rId2"/>
@@ -16,11 +16,12 @@
     <p:sldId id="268" r:id="rId7"/>
     <p:sldId id="265" r:id="rId8"/>
     <p:sldId id="259" r:id="rId9"/>
-    <p:sldId id="260" r:id="rId10"/>
-    <p:sldId id="261" r:id="rId11"/>
-    <p:sldId id="262" r:id="rId12"/>
-    <p:sldId id="263" r:id="rId13"/>
-    <p:sldId id="264" r:id="rId14"/>
+    <p:sldId id="270" r:id="rId10"/>
+    <p:sldId id="260" r:id="rId11"/>
+    <p:sldId id="261" r:id="rId12"/>
+    <p:sldId id="262" r:id="rId13"/>
+    <p:sldId id="263" r:id="rId14"/>
+    <p:sldId id="264" r:id="rId15"/>
   </p:sldIdLst>
   <p:sldSz cx="12192000" cy="6858000"/>
   <p:notesSz cx="6858000" cy="9144000"/>
@@ -120,6 +121,32 @@
     </a:lvl9pPr>
   </p:defaultTextStyle>
   <p:extLst>
+    <p:ext uri="{521415D9-36F7-43E2-AB2F-B90AF26B5E84}">
+      <p14:sectionLst xmlns:p14="http://schemas.microsoft.com/office/powerpoint/2010/main">
+        <p14:section name="Default Section" id="{77369E52-1DC3-4883-8A9F-DBEB01807C26}">
+          <p14:sldIdLst>
+            <p14:sldId id="256"/>
+            <p14:sldId id="257"/>
+            <p14:sldId id="267"/>
+            <p14:sldId id="269"/>
+            <p14:sldId id="258"/>
+            <p14:sldId id="268"/>
+            <p14:sldId id="265"/>
+          </p14:sldIdLst>
+        </p14:section>
+        <p14:section name="Untitled Section" id="{E2DC97CC-C018-4B03-8DBD-8768BDCBFDE7}">
+          <p14:sldIdLst>
+            <p14:sldId id="259"/>
+            <p14:sldId id="270"/>
+            <p14:sldId id="260"/>
+            <p14:sldId id="261"/>
+            <p14:sldId id="262"/>
+            <p14:sldId id="263"/>
+            <p14:sldId id="264"/>
+          </p14:sldIdLst>
+        </p14:section>
+      </p14:sectionLst>
+    </p:ext>
     <p:ext uri="{EFAFB233-063F-42B5-8137-9DF3F51BA10A}">
       <p15:sldGuideLst xmlns:p15="http://schemas.microsoft.com/office/powerpoint/2012/main"/>
     </p:ext>
@@ -566,7 +593,7 @@
           <a:p>
             <a:fld id="{1ABBD873-08CC-CF45-9A1C-8FC61122CEB0}" type="slidenum">
               <a:rPr lang="en-US" smtClean="0"/>
-              <a:t>11</a:t>
+              <a:t>12</a:t>
             </a:fld>
             <a:endParaRPr lang="en-US"/>
           </a:p>
@@ -712,7 +739,7 @@
           <a:p>
             <a:fld id="{1ABBD873-08CC-CF45-9A1C-8FC61122CEB0}" type="slidenum">
               <a:rPr lang="en-US" smtClean="0"/>
-              <a:t>13</a:t>
+              <a:t>14</a:t>
             </a:fld>
             <a:endParaRPr lang="en-US"/>
           </a:p>
@@ -4039,6 +4066,186 @@
       </p:grpSpPr>
       <p:sp>
         <p:nvSpPr>
+          <p:cNvPr id="2" name="Title 1">
+            <a:extLst>
+              <a:ext uri="{FF2B5EF4-FFF2-40B4-BE49-F238E27FC236}">
+                <a16:creationId xmlns:a16="http://schemas.microsoft.com/office/drawing/2014/main" id="{31E8BB90-D390-CA45-AD33-0856F776D88E}"/>
+              </a:ext>
+            </a:extLst>
+          </p:cNvPr>
+          <p:cNvSpPr>
+            <a:spLocks noGrp="1"/>
+          </p:cNvSpPr>
+          <p:nvPr>
+            <p:ph type="title"/>
+          </p:nvPr>
+        </p:nvSpPr>
+        <p:spPr>
+          <a:xfrm>
+            <a:off x="831850" y="414989"/>
+            <a:ext cx="10515600" cy="548640"/>
+          </a:xfrm>
+        </p:spPr>
+        <p:txBody>
+          <a:bodyPr>
+            <a:normAutofit fontScale="90000"/>
+          </a:bodyPr>
+          <a:lstStyle/>
+          <a:p>
+            <a:pPr marL="457200" lvl="1" algn="l"/>
+            <a:r>
+              <a:rPr lang="en-US" sz="3200" kern="1200">
+                <a:solidFill>
+                  <a:schemeClr val="tx1"/>
+                </a:solidFill>
+                <a:latin typeface="+mn-lt"/>
+                <a:ea typeface="+mn-ea"/>
+                <a:cs typeface="+mn-cs"/>
+              </a:rPr>
+              <a:t>5. What percentage of towed cars are abandoned cars?</a:t>
+            </a:r>
+            <a:endParaRPr lang="en-US" sz="3200" kern="1200" dirty="0">
+              <a:solidFill>
+                <a:schemeClr val="tx1"/>
+              </a:solidFill>
+              <a:latin typeface="+mn-lt"/>
+              <a:ea typeface="+mn-ea"/>
+              <a:cs typeface="+mn-cs"/>
+            </a:endParaRPr>
+          </a:p>
+        </p:txBody>
+      </p:sp>
+      <p:sp>
+        <p:nvSpPr>
+          <p:cNvPr id="4" name="Text Placeholder 3">
+            <a:extLst>
+              <a:ext uri="{FF2B5EF4-FFF2-40B4-BE49-F238E27FC236}">
+                <a16:creationId xmlns:a16="http://schemas.microsoft.com/office/drawing/2014/main" id="{B42A0A87-7AC9-864A-B700-0A546169EA59}"/>
+              </a:ext>
+            </a:extLst>
+          </p:cNvPr>
+          <p:cNvSpPr>
+            <a:spLocks noGrp="1"/>
+          </p:cNvSpPr>
+          <p:nvPr>
+            <p:ph type="body" idx="1"/>
+          </p:nvPr>
+        </p:nvSpPr>
+        <p:spPr>
+          <a:xfrm>
+            <a:off x="831850" y="1899138"/>
+            <a:ext cx="10515600" cy="4607169"/>
+          </a:xfrm>
+        </p:spPr>
+        <p:txBody>
+          <a:bodyPr>
+            <a:normAutofit fontScale="92500" lnSpcReduction="10000"/>
+          </a:bodyPr>
+          <a:lstStyle/>
+          <a:p>
+            <a:endParaRPr lang="en-US" dirty="0"/>
+          </a:p>
+          <a:p>
+            <a:endParaRPr lang="en-US" dirty="0"/>
+          </a:p>
+          <a:p>
+            <a:endParaRPr lang="en-US" dirty="0"/>
+          </a:p>
+          <a:p>
+            <a:endParaRPr lang="en-US" dirty="0"/>
+          </a:p>
+          <a:p>
+            <a:endParaRPr lang="en-US" dirty="0"/>
+          </a:p>
+          <a:p>
+            <a:endParaRPr lang="en-US" dirty="0"/>
+          </a:p>
+          <a:p>
+            <a:endParaRPr lang="en-US" dirty="0"/>
+          </a:p>
+          <a:p>
+            <a:endParaRPr lang="en-US" dirty="0"/>
+          </a:p>
+          <a:p>
+            <a:endParaRPr lang="en-US" dirty="0"/>
+          </a:p>
+          <a:p>
+            <a:endParaRPr lang="en-US" dirty="0"/>
+          </a:p>
+          <a:p>
+            <a:r>
+              <a:rPr lang="en-US" sz="1900" dirty="0">
+                <a:solidFill>
+                  <a:schemeClr val="tx1"/>
+                </a:solidFill>
+              </a:rPr>
+              <a:t>Only 3 % of towed cars are abandon cars over the 90 days but that is 138 cars are  abandoned and towed .</a:t>
+            </a:r>
+          </a:p>
+        </p:txBody>
+      </p:sp>
+      <p:pic>
+        <p:nvPicPr>
+          <p:cNvPr id="5" name="Picture 4">
+            <a:extLst>
+              <a:ext uri="{FF2B5EF4-FFF2-40B4-BE49-F238E27FC236}">
+                <a16:creationId xmlns:a16="http://schemas.microsoft.com/office/drawing/2014/main" id="{561A52ED-CD8C-4A16-889F-53997FC152AF}"/>
+              </a:ext>
+            </a:extLst>
+          </p:cNvPr>
+          <p:cNvPicPr>
+            <a:picLocks noChangeAspect="1"/>
+          </p:cNvPicPr>
+          <p:nvPr/>
+        </p:nvPicPr>
+        <p:blipFill>
+          <a:blip r:embed="rId2"/>
+          <a:stretch>
+            <a:fillRect/>
+          </a:stretch>
+        </p:blipFill>
+        <p:spPr>
+          <a:xfrm>
+            <a:off x="2630658" y="1599783"/>
+            <a:ext cx="6566096" cy="3921786"/>
+          </a:xfrm>
+          <a:prstGeom prst="rect">
+            <a:avLst/>
+          </a:prstGeom>
+        </p:spPr>
+      </p:pic>
+    </p:spTree>
+    <p:extLst>
+      <p:ext uri="{BB962C8B-B14F-4D97-AF65-F5344CB8AC3E}">
+        <p14:creationId xmlns:p14="http://schemas.microsoft.com/office/powerpoint/2010/main" val="783432784"/>
+      </p:ext>
+    </p:extLst>
+  </p:cSld>
+  <p:clrMapOvr>
+    <a:masterClrMapping/>
+  </p:clrMapOvr>
+</p:sld>
+</file>
+
+<file path=ppt/slides/slide11.xml><?xml version="1.0" encoding="utf-8"?>
+<p:sld xmlns:a="http://schemas.openxmlformats.org/drawingml/2006/main" xmlns:r="http://schemas.openxmlformats.org/officeDocument/2006/relationships" xmlns:p="http://schemas.openxmlformats.org/presentationml/2006/main">
+  <p:cSld>
+    <p:spTree>
+      <p:nvGrpSpPr>
+        <p:cNvPr id="1" name=""/>
+        <p:cNvGrpSpPr/>
+        <p:nvPr/>
+      </p:nvGrpSpPr>
+      <p:grpSpPr>
+        <a:xfrm>
+          <a:off x="0" y="0"/>
+          <a:ext cx="0" cy="0"/>
+          <a:chOff x="0" y="0"/>
+          <a:chExt cx="0" cy="0"/>
+        </a:xfrm>
+      </p:grpSpPr>
+      <p:sp>
+        <p:nvSpPr>
           <p:cNvPr id="4" name="Title 3">
             <a:extLst>
               <a:ext uri="{FF2B5EF4-FFF2-40B4-BE49-F238E27FC236}">
@@ -4107,7 +4314,7 @@
 </p:sld>
 </file>
 
-<file path=ppt/slides/slide11.xml><?xml version="1.0" encoding="utf-8"?>
+<file path=ppt/slides/slide12.xml><?xml version="1.0" encoding="utf-8"?>
 <p:sld xmlns:a="http://schemas.openxmlformats.org/drawingml/2006/main" xmlns:r="http://schemas.openxmlformats.org/officeDocument/2006/relationships" xmlns:p="http://schemas.openxmlformats.org/presentationml/2006/main">
   <p:cSld>
     <p:spTree>
@@ -4282,7 +4489,7 @@
 </p:sld>
 </file>
 
-<file path=ppt/slides/slide12.xml><?xml version="1.0" encoding="utf-8"?>
+<file path=ppt/slides/slide13.xml><?xml version="1.0" encoding="utf-8"?>
 <p:sld xmlns:a="http://schemas.openxmlformats.org/drawingml/2006/main" xmlns:r="http://schemas.openxmlformats.org/officeDocument/2006/relationships" xmlns:p="http://schemas.openxmlformats.org/presentationml/2006/main">
   <p:cSld>
     <p:spTree>
@@ -4446,7 +4653,7 @@
 </p:sld>
 </file>
 
-<file path=ppt/slides/slide13.xml><?xml version="1.0" encoding="utf-8"?>
+<file path=ppt/slides/slide14.xml><?xml version="1.0" encoding="utf-8"?>
 <p:sld xmlns:a="http://schemas.openxmlformats.org/drawingml/2006/main" xmlns:r="http://schemas.openxmlformats.org/officeDocument/2006/relationships" xmlns:p="http://schemas.openxmlformats.org/presentationml/2006/main">
   <p:cSld>
     <p:spTree>
@@ -4604,7 +4811,7 @@
             </a:pPr>
             <a:r>
               <a:rPr lang="en-US" dirty="0"/>
-              <a:t>Using ”Chicago Towed Vehicles” we wanted to answer these questions:</a:t>
+              <a:t>Using ”Chicago Towed Vehicles and  Abandon cars data” we wanted to answer these questions:</a:t>
             </a:r>
           </a:p>
           <a:p>
@@ -4644,7 +4851,7 @@
             </a:pPr>
             <a:r>
               <a:rPr lang="en-US" dirty="0"/>
-              <a:t>What percentage of abandoned cars are towed?</a:t>
+              <a:t>What percentage of towed cars are abandoned cars?</a:t>
             </a:r>
           </a:p>
           <a:p>
@@ -4888,7 +5095,19 @@
               <a:rPr lang="en-US" sz="3200" dirty="0">
                 <a:latin typeface="Graphik" panose="020B0503030202060203" pitchFamily="34" charset="0"/>
               </a:rPr>
-              <a:t>Does the day of the week have an any impact?</a:t>
+              <a:t>Does the day of the week </a:t>
+            </a:r>
+            <a:r>
+              <a:rPr lang="en-US" sz="3200">
+                <a:latin typeface="Graphik" panose="020B0503030202060203" pitchFamily="34" charset="0"/>
+              </a:rPr>
+              <a:t>have any </a:t>
+            </a:r>
+            <a:r>
+              <a:rPr lang="en-US" sz="3200" dirty="0">
+                <a:latin typeface="Graphik" panose="020B0503030202060203" pitchFamily="34" charset="0"/>
+              </a:rPr>
+              <a:t>impact?</a:t>
             </a:r>
           </a:p>
         </p:txBody>
@@ -4915,7 +5134,7 @@
         </p:blipFill>
         <p:spPr>
           <a:xfrm>
-            <a:off x="1806314" y="1474414"/>
+            <a:off x="1806314" y="1409075"/>
             <a:ext cx="8094689" cy="4083189"/>
           </a:xfrm>
           <a:prstGeom prst="rect">
@@ -5432,40 +5651,115 @@
             <p:ph type="title"/>
           </p:nvPr>
         </p:nvSpPr>
-        <p:spPr/>
+        <p:spPr>
+          <a:xfrm>
+            <a:off x="831850" y="618978"/>
+            <a:ext cx="10515600" cy="534573"/>
+          </a:xfrm>
+        </p:spPr>
+        <p:txBody>
+          <a:bodyPr/>
+          <a:lstStyle/>
+          <a:p>
+            <a:r>
+              <a:rPr lang="en-US" sz="3200" dirty="0">
+                <a:latin typeface="Graphik" panose="020B0503030202060203" pitchFamily="34" charset="0"/>
+                <a:ea typeface="+mn-ea"/>
+                <a:cs typeface="+mn-cs"/>
+              </a:rPr>
+              <a:t>3. How long does it take for an abandoned car to be towed?</a:t>
+            </a:r>
+          </a:p>
+        </p:txBody>
+      </p:sp>
+      <p:pic>
+        <p:nvPicPr>
+          <p:cNvPr id="5" name="Picture 4">
+            <a:extLst>
+              <a:ext uri="{FF2B5EF4-FFF2-40B4-BE49-F238E27FC236}">
+                <a16:creationId xmlns:a16="http://schemas.microsoft.com/office/drawing/2014/main" id="{F2512084-37BA-40B3-A8C2-F99F495E7A11}"/>
+              </a:ext>
+            </a:extLst>
+          </p:cNvPr>
+          <p:cNvPicPr>
+            <a:picLocks noChangeAspect="1"/>
+          </p:cNvPicPr>
+          <p:nvPr/>
+        </p:nvPicPr>
+        <p:blipFill>
+          <a:blip r:embed="rId2"/>
+          <a:stretch>
+            <a:fillRect/>
+          </a:stretch>
+        </p:blipFill>
+        <p:spPr>
+          <a:xfrm>
+            <a:off x="1149350" y="1934309"/>
+            <a:ext cx="9214338" cy="1939070"/>
+          </a:xfrm>
+          <a:prstGeom prst="rect">
+            <a:avLst/>
+          </a:prstGeom>
+        </p:spPr>
+      </p:pic>
+      <p:sp>
+        <p:nvSpPr>
+          <p:cNvPr id="4" name="Text Placeholder 3">
+            <a:extLst>
+              <a:ext uri="{FF2B5EF4-FFF2-40B4-BE49-F238E27FC236}">
+                <a16:creationId xmlns:a16="http://schemas.microsoft.com/office/drawing/2014/main" id="{67640997-494C-CF46-9366-A3B4D2C8540C}"/>
+              </a:ext>
+            </a:extLst>
+          </p:cNvPr>
+          <p:cNvSpPr>
+            <a:spLocks noGrp="1"/>
+          </p:cNvSpPr>
+          <p:nvPr>
+            <p:ph type="body" idx="1"/>
+          </p:nvPr>
+        </p:nvSpPr>
+        <p:spPr>
+          <a:xfrm>
+            <a:off x="1149350" y="1441939"/>
+            <a:ext cx="10515600" cy="4401527"/>
+          </a:xfrm>
+        </p:spPr>
         <p:txBody>
           <a:bodyPr/>
           <a:lstStyle/>
           <a:p>
             <a:r>
               <a:rPr lang="en-US" dirty="0"/>
-              <a:t>Questions 3 and 4</a:t>
-            </a:r>
-          </a:p>
-        </p:txBody>
-      </p:sp>
-      <p:sp>
-        <p:nvSpPr>
-          <p:cNvPr id="4" name="Text Placeholder 3">
-            <a:extLst>
-              <a:ext uri="{FF2B5EF4-FFF2-40B4-BE49-F238E27FC236}">
-                <a16:creationId xmlns:a16="http://schemas.microsoft.com/office/drawing/2014/main" id="{67640997-494C-CF46-9366-A3B4D2C8540C}"/>
-              </a:ext>
-            </a:extLst>
-          </p:cNvPr>
-          <p:cNvSpPr>
-            <a:spLocks noGrp="1"/>
-          </p:cNvSpPr>
-          <p:nvPr>
-            <p:ph type="body" idx="1"/>
-          </p:nvPr>
-        </p:nvSpPr>
-        <p:spPr/>
-        <p:txBody>
-          <a:bodyPr/>
-          <a:lstStyle/>
-          <a:p>
-            <a:endParaRPr lang="en-US"/>
+              <a:t>                                                                                                                                                              </a:t>
+            </a:r>
+          </a:p>
+          <a:p>
+            <a:endParaRPr lang="en-US" dirty="0"/>
+          </a:p>
+          <a:p>
+            <a:endParaRPr lang="en-US" dirty="0"/>
+          </a:p>
+          <a:p>
+            <a:endParaRPr lang="en-US" dirty="0"/>
+          </a:p>
+          <a:p>
+            <a:endParaRPr lang="en-US" dirty="0"/>
+          </a:p>
+          <a:p>
+            <a:endParaRPr lang="en-US" dirty="0"/>
+          </a:p>
+          <a:p>
+            <a:r>
+              <a:rPr lang="en-US" sz="1800" dirty="0">
+                <a:solidFill>
+                  <a:schemeClr val="tx1"/>
+                </a:solidFill>
+              </a:rPr>
+              <a:t>Conclusion: It takes about 23 days for a abandon car to be towed from it is reported. Also it was observed that cars reported abandon in  November and December took longer to towed then the cars reported in February and March</a:t>
+            </a:r>
+          </a:p>
+          <a:p>
+            <a:endParaRPr lang="en-US" dirty="0"/>
           </a:p>
         </p:txBody>
       </p:sp>
@@ -5504,7 +5798,7 @@
           <p:cNvPr id="2" name="Title 1">
             <a:extLst>
               <a:ext uri="{FF2B5EF4-FFF2-40B4-BE49-F238E27FC236}">
-                <a16:creationId xmlns:a16="http://schemas.microsoft.com/office/drawing/2014/main" id="{31E8BB90-D390-CA45-AD33-0856F776D88E}"/>
+                <a16:creationId xmlns:a16="http://schemas.microsoft.com/office/drawing/2014/main" id="{3BE0EB24-2896-4CAA-A6F1-092CF2FE8E06}"/>
               </a:ext>
             </a:extLst>
           </p:cNvPr>
@@ -5515,24 +5809,34 @@
             <p:ph type="title"/>
           </p:nvPr>
         </p:nvSpPr>
-        <p:spPr/>
-        <p:txBody>
-          <a:bodyPr/>
-          <a:lstStyle/>
-          <a:p>
-            <a:r>
-              <a:rPr lang="en-US" dirty="0"/>
-              <a:t>Questions 5 and 6</a:t>
-            </a:r>
-          </a:p>
-        </p:txBody>
-      </p:sp>
-      <p:sp>
-        <p:nvSpPr>
-          <p:cNvPr id="4" name="Text Placeholder 3">
-            <a:extLst>
-              <a:ext uri="{FF2B5EF4-FFF2-40B4-BE49-F238E27FC236}">
-                <a16:creationId xmlns:a16="http://schemas.microsoft.com/office/drawing/2014/main" id="{B42A0A87-7AC9-864A-B700-0A546169EA59}"/>
+        <p:spPr>
+          <a:xfrm>
+            <a:off x="831850" y="393896"/>
+            <a:ext cx="10515600" cy="1026941"/>
+          </a:xfrm>
+        </p:spPr>
+        <p:txBody>
+          <a:bodyPr/>
+          <a:lstStyle/>
+          <a:p>
+            <a:pPr algn="ctr"/>
+            <a:r>
+              <a:rPr lang="en-US" sz="3200" dirty="0">
+                <a:latin typeface="+mn-lt"/>
+                <a:ea typeface="+mn-ea"/>
+                <a:cs typeface="+mn-cs"/>
+              </a:rPr>
+              <a:t>Scatter Plot for Abandon cars</a:t>
+            </a:r>
+          </a:p>
+        </p:txBody>
+      </p:sp>
+      <p:sp>
+        <p:nvSpPr>
+          <p:cNvPr id="5" name="Text Placeholder 4">
+            <a:extLst>
+              <a:ext uri="{FF2B5EF4-FFF2-40B4-BE49-F238E27FC236}">
+                <a16:creationId xmlns:a16="http://schemas.microsoft.com/office/drawing/2014/main" id="{50A568E3-80D1-49D1-975D-DD58F63EDF09}"/>
               </a:ext>
             </a:extLst>
           </p:cNvPr>
@@ -5543,19 +5847,54 @@
             <p:ph type="body" idx="1"/>
           </p:nvPr>
         </p:nvSpPr>
-        <p:spPr/>
-        <p:txBody>
-          <a:bodyPr/>
-          <a:lstStyle/>
-          <a:p>
-            <a:endParaRPr lang="en-US"/>
-          </a:p>
-        </p:txBody>
-      </p:sp>
+        <p:spPr>
+          <a:xfrm>
+            <a:off x="831850" y="1420837"/>
+            <a:ext cx="10515600" cy="4668813"/>
+          </a:xfrm>
+        </p:spPr>
+        <p:txBody>
+          <a:bodyPr/>
+          <a:lstStyle/>
+          <a:p>
+            <a:endParaRPr lang="en-US" dirty="0"/>
+          </a:p>
+        </p:txBody>
+      </p:sp>
+      <p:pic>
+        <p:nvPicPr>
+          <p:cNvPr id="7" name="Picture 6">
+            <a:extLst>
+              <a:ext uri="{FF2B5EF4-FFF2-40B4-BE49-F238E27FC236}">
+                <a16:creationId xmlns:a16="http://schemas.microsoft.com/office/drawing/2014/main" id="{232BD121-64BA-404C-ACCC-B659131E6B95}"/>
+              </a:ext>
+            </a:extLst>
+          </p:cNvPr>
+          <p:cNvPicPr>
+            <a:picLocks noChangeAspect="1"/>
+          </p:cNvPicPr>
+          <p:nvPr/>
+        </p:nvPicPr>
+        <p:blipFill>
+          <a:blip r:embed="rId2"/>
+          <a:stretch>
+            <a:fillRect/>
+          </a:stretch>
+        </p:blipFill>
+        <p:spPr>
+          <a:xfrm>
+            <a:off x="604911" y="1420836"/>
+            <a:ext cx="10634589" cy="5437163"/>
+          </a:xfrm>
+          <a:prstGeom prst="rect">
+            <a:avLst/>
+          </a:prstGeom>
+        </p:spPr>
+      </p:pic>
     </p:spTree>
     <p:extLst>
       <p:ext uri="{BB962C8B-B14F-4D97-AF65-F5344CB8AC3E}">
-        <p14:creationId xmlns:p14="http://schemas.microsoft.com/office/powerpoint/2010/main" val="783432784"/>
+        <p14:creationId xmlns:p14="http://schemas.microsoft.com/office/powerpoint/2010/main" val="3179449234"/>
       </p:ext>
     </p:extLst>
   </p:cSld>

--- a/Project1.pptx
+++ b/Project1.pptx
@@ -5,7 +5,7 @@
     <p:sldMasterId id="2147483648" r:id="rId1"/>
   </p:sldMasterIdLst>
   <p:notesMasterIdLst>
-    <p:notesMasterId r:id="rId16"/>
+    <p:notesMasterId r:id="rId17"/>
   </p:notesMasterIdLst>
   <p:sldIdLst>
     <p:sldId id="256" r:id="rId2"/>
@@ -22,6 +22,7 @@
     <p:sldId id="262" r:id="rId13"/>
     <p:sldId id="263" r:id="rId14"/>
     <p:sldId id="264" r:id="rId15"/>
+    <p:sldId id="271" r:id="rId16"/>
   </p:sldIdLst>
   <p:sldSz cx="12192000" cy="6858000"/>
   <p:notesSz cx="6858000" cy="9144000"/>
@@ -143,6 +144,7 @@
             <p14:sldId id="262"/>
             <p14:sldId id="263"/>
             <p14:sldId id="264"/>
+            <p14:sldId id="271"/>
           </p14:sldIdLst>
         </p14:section>
       </p14:sectionLst>
@@ -203,7 +205,7 @@
             </a:lvl1pPr>
           </a:lstStyle>
           <a:p>
-            <a:endParaRPr lang="en-US"/>
+            <a:endParaRPr lang="en-US" dirty="0"/>
           </a:p>
         </p:txBody>
       </p:sp>
@@ -236,9 +238,9 @@
           <a:p>
             <a:fld id="{723FBAB7-38B8-9742-998A-D23EB28787A2}" type="datetimeFigureOut">
               <a:rPr lang="en-US" smtClean="0"/>
-              <a:t>3/30/2019</a:t>
+              <a:t>3/30/19</a:t>
             </a:fld>
-            <a:endParaRPr lang="en-US"/>
+            <a:endParaRPr lang="en-US" dirty="0"/>
           </a:p>
         </p:txBody>
       </p:sp>
@@ -271,7 +273,7 @@
           <a:bodyPr vert="horz" lIns="91440" tIns="45720" rIns="91440" bIns="45720" rtlCol="0" anchor="ctr"/>
           <a:lstStyle/>
           <a:p>
-            <a:endParaRPr lang="en-US"/>
+            <a:endParaRPr lang="en-US" dirty="0"/>
           </a:p>
         </p:txBody>
       </p:sp>
@@ -361,7 +363,7 @@
             </a:lvl1pPr>
           </a:lstStyle>
           <a:p>
-            <a:endParaRPr lang="en-US"/>
+            <a:endParaRPr lang="en-US" dirty="0"/>
           </a:p>
         </p:txBody>
       </p:sp>
@@ -396,7 +398,7 @@
               <a:rPr lang="en-US" smtClean="0"/>
               <a:t>‹#›</a:t>
             </a:fld>
-            <a:endParaRPr lang="en-US"/>
+            <a:endParaRPr lang="en-US" dirty="0"/>
           </a:p>
         </p:txBody>
       </p:sp>
@@ -547,32 +549,86 @@
           <a:bodyPr/>
           <a:lstStyle/>
           <a:p>
-            <a:r>
-              <a:rPr lang="en-US" sz="1200" kern="1200" dirty="0">
-                <a:solidFill>
-                  <a:schemeClr val="tx1"/>
-                </a:solidFill>
-                <a:effectLst/>
-                <a:latin typeface="+mn-lt"/>
-                <a:ea typeface="+mn-ea"/>
-                <a:cs typeface="+mn-cs"/>
-              </a:rPr>
-              <a:t>We wanted to know to which facility of the four are the cars towed?</a:t>
-            </a:r>
-          </a:p>
-          <a:p>
-            <a:r>
-              <a:rPr lang="en-US" sz="1200" kern="1200" dirty="0">
-                <a:solidFill>
-                  <a:schemeClr val="tx1"/>
-                </a:solidFill>
-                <a:effectLst/>
-                <a:latin typeface="+mn-lt"/>
-                <a:ea typeface="+mn-ea"/>
-                <a:cs typeface="+mn-cs"/>
-              </a:rPr>
-              <a:t>Most of the cars were towed to the 10300 S Doty location (50%), followed by the 701 N. Sacramento site (48%), then Lower Wacker and (2%) and finally ORD.</a:t>
-            </a:r>
+            <a:pPr marL="0" marR="0" lvl="0" indent="0" algn="l" defTabSz="914400" rtl="0" eaLnBrk="1" fontAlgn="auto" latinLnBrk="0" hangingPunct="1">
+              <a:lnSpc>
+                <a:spcPct val="100000"/>
+              </a:lnSpc>
+              <a:spcBef>
+                <a:spcPts val="0"/>
+              </a:spcBef>
+              <a:spcAft>
+                <a:spcPts val="0"/>
+              </a:spcAft>
+              <a:buClrTx/>
+              <a:buSzTx/>
+              <a:buFontTx/>
+              <a:buNone/>
+              <a:tabLst/>
+              <a:defRPr/>
+            </a:pPr>
+            <a:r>
+              <a:rPr lang="en-US" dirty="0"/>
+              <a:t>To figure this out, we counted how many cars went to each lot, and then using the address of the lot as provided in the dataset, geocoded the lots using Google’s geocoding API service. The heatmaps show the concentration of cars per lot, based on the total number of cars in the dataset. We’re confident we can assign any car in the dataset to the area in RED.</a:t>
+            </a:r>
+          </a:p>
+          <a:p>
+            <a:endParaRPr lang="en-US" dirty="0"/>
+          </a:p>
+          <a:p>
+            <a:r>
+              <a:rPr lang="en-US" dirty="0"/>
+              <a:t>Here we looked at to which of the four locations in our data set a car could be towed:</a:t>
+            </a:r>
+          </a:p>
+          <a:p>
+            <a:endParaRPr lang="en-US" dirty="0"/>
+          </a:p>
+          <a:p>
+            <a:pPr marL="0" marR="0" lvl="0" indent="0" algn="l" defTabSz="914400" rtl="0" eaLnBrk="1" fontAlgn="auto" latinLnBrk="0" hangingPunct="1">
+              <a:lnSpc>
+                <a:spcPct val="100000"/>
+              </a:lnSpc>
+              <a:spcBef>
+                <a:spcPts val="0"/>
+              </a:spcBef>
+              <a:spcAft>
+                <a:spcPts val="0"/>
+              </a:spcAft>
+              <a:buClrTx/>
+              <a:buSzTx/>
+              <a:buFontTx/>
+              <a:buNone/>
+              <a:tabLst/>
+              <a:defRPr/>
+            </a:pPr>
+            <a:r>
+              <a:rPr lang="en-US" dirty="0"/>
+              <a:t>10300 S Doty: 2,315 cars</a:t>
+            </a:r>
+          </a:p>
+          <a:p>
+            <a:r>
+              <a:rPr lang="en-US" dirty="0"/>
+              <a:t>701 N Sacramento: 2,203 cars</a:t>
+            </a:r>
+          </a:p>
+          <a:p>
+            <a:r>
+              <a:rPr lang="en-US" dirty="0"/>
+              <a:t>400 E Lower Wacker: 87 cars</a:t>
+            </a:r>
+          </a:p>
+          <a:p>
+            <a:r>
+              <a:rPr lang="en-US" dirty="0"/>
+              <a:t>ORD: five cars </a:t>
+            </a:r>
+          </a:p>
+          <a:p>
+            <a:endParaRPr lang="en-US" dirty="0"/>
+          </a:p>
+          <a:p>
+            <a:endParaRPr lang="en-US" dirty="0"/>
           </a:p>
         </p:txBody>
       </p:sp>
@@ -593,16 +649,16 @@
           <a:p>
             <a:fld id="{1ABBD873-08CC-CF45-9A1C-8FC61122CEB0}" type="slidenum">
               <a:rPr lang="en-US" smtClean="0"/>
-              <a:t>12</a:t>
+              <a:t>11</a:t>
             </a:fld>
-            <a:endParaRPr lang="en-US"/>
+            <a:endParaRPr lang="en-US" dirty="0"/>
           </a:p>
         </p:txBody>
       </p:sp>
     </p:spTree>
     <p:extLst>
       <p:ext uri="{BB962C8B-B14F-4D97-AF65-F5344CB8AC3E}">
-        <p14:creationId xmlns:p14="http://schemas.microsoft.com/office/powerpoint/2010/main" val="419392367"/>
+        <p14:creationId xmlns:p14="http://schemas.microsoft.com/office/powerpoint/2010/main" val="2417568180"/>
       </p:ext>
     </p:extLst>
   </p:cSld>
@@ -666,7 +722,7 @@
                 <a:ea typeface="+mn-ea"/>
                 <a:cs typeface="+mn-cs"/>
               </a:rPr>
-              <a:t>Using the Plate variable in the dataset, we looked at to which lot each vehicle went. We see here in the states represented in each of the tow lots. </a:t>
+              <a:t>We wanted to know to which facility of the four are the cars towed?</a:t>
             </a:r>
           </a:p>
           <a:p>
@@ -680,12 +736,101 @@
                 <a:ea typeface="+mn-ea"/>
                 <a:cs typeface="+mn-cs"/>
               </a:rPr>
-              <a:t>Looking at this chart, we see 37 states different states represented in Chicago tow lots. Illinois is represented most frequently and in each of the four lots. Indiana, Wisconsin, and Michigan are well represented by percentage as well as in each three of the four lots. </a:t>
-            </a:r>
-          </a:p>
-          <a:p>
-            <a:endParaRPr lang="en-US" dirty="0"/>
-          </a:p>
+              <a:t>Most of the cars were towed to the 10300 S Doty location (50%) and five cars to ORD.</a:t>
+            </a:r>
+          </a:p>
+          <a:p>
+            <a:endParaRPr lang="en-US" sz="1200" kern="1200" dirty="0">
+              <a:solidFill>
+                <a:schemeClr val="tx1"/>
+              </a:solidFill>
+              <a:effectLst/>
+              <a:latin typeface="+mn-lt"/>
+              <a:ea typeface="+mn-ea"/>
+              <a:cs typeface="+mn-cs"/>
+            </a:endParaRPr>
+          </a:p>
+        </p:txBody>
+      </p:sp>
+      <p:sp>
+        <p:nvSpPr>
+          <p:cNvPr id="4" name="Slide Number Placeholder 3"/>
+          <p:cNvSpPr>
+            <a:spLocks noGrp="1"/>
+          </p:cNvSpPr>
+          <p:nvPr>
+            <p:ph type="sldNum" sz="quarter" idx="5"/>
+          </p:nvPr>
+        </p:nvSpPr>
+        <p:spPr/>
+        <p:txBody>
+          <a:bodyPr/>
+          <a:lstStyle/>
+          <a:p>
+            <a:fld id="{1ABBD873-08CC-CF45-9A1C-8FC61122CEB0}" type="slidenum">
+              <a:rPr lang="en-US" smtClean="0"/>
+              <a:t>12</a:t>
+            </a:fld>
+            <a:endParaRPr lang="en-US" dirty="0"/>
+          </a:p>
+        </p:txBody>
+      </p:sp>
+    </p:spTree>
+    <p:extLst>
+      <p:ext uri="{BB962C8B-B14F-4D97-AF65-F5344CB8AC3E}">
+        <p14:creationId xmlns:p14="http://schemas.microsoft.com/office/powerpoint/2010/main" val="419392367"/>
+      </p:ext>
+    </p:extLst>
+  </p:cSld>
+  <p:clrMapOvr>
+    <a:masterClrMapping/>
+  </p:clrMapOvr>
+</p:notes>
+</file>
+
+<file path=ppt/notesSlides/notesSlide3.xml><?xml version="1.0" encoding="utf-8"?>
+<p:notes xmlns:a="http://schemas.openxmlformats.org/drawingml/2006/main" xmlns:r="http://schemas.openxmlformats.org/officeDocument/2006/relationships" xmlns:p="http://schemas.openxmlformats.org/presentationml/2006/main">
+  <p:cSld>
+    <p:spTree>
+      <p:nvGrpSpPr>
+        <p:cNvPr id="1" name=""/>
+        <p:cNvGrpSpPr/>
+        <p:nvPr/>
+      </p:nvGrpSpPr>
+      <p:grpSpPr>
+        <a:xfrm>
+          <a:off x="0" y="0"/>
+          <a:ext cx="0" cy="0"/>
+          <a:chOff x="0" y="0"/>
+          <a:chExt cx="0" cy="0"/>
+        </a:xfrm>
+      </p:grpSpPr>
+      <p:sp>
+        <p:nvSpPr>
+          <p:cNvPr id="2" name="Slide Image Placeholder 1"/>
+          <p:cNvSpPr>
+            <a:spLocks noGrp="1" noRot="1" noChangeAspect="1"/>
+          </p:cNvSpPr>
+          <p:nvPr>
+            <p:ph type="sldImg"/>
+          </p:nvPr>
+        </p:nvSpPr>
+        <p:spPr/>
+      </p:sp>
+      <p:sp>
+        <p:nvSpPr>
+          <p:cNvPr id="3" name="Notes Placeholder 2"/>
+          <p:cNvSpPr>
+            <a:spLocks noGrp="1"/>
+          </p:cNvSpPr>
+          <p:nvPr>
+            <p:ph type="body" idx="1"/>
+          </p:nvPr>
+        </p:nvSpPr>
+        <p:spPr/>
+        <p:txBody>
+          <a:bodyPr/>
+          <a:lstStyle/>
           <a:p>
             <a:pPr marL="0" marR="0" lvl="0" indent="0" algn="l" defTabSz="914400" rtl="0" eaLnBrk="1" fontAlgn="auto" latinLnBrk="0" hangingPunct="1">
               <a:lnSpc>
@@ -714,7 +859,224 @@
                 <a:ea typeface="+mn-ea"/>
                 <a:cs typeface="+mn-cs"/>
               </a:rPr>
-              <a:t>The 701 N Sacramento Lot contains the most diverse collection of cars, Wacker has the least diverse collection, at least by license plate. </a:t>
+              <a:t>The 701 N. Sacramento site received 48 percent of the towed cars in our data set and Lower Wacker received two percent. </a:t>
+            </a:r>
+            <a:endParaRPr lang="en-US" dirty="0"/>
+          </a:p>
+          <a:p>
+            <a:endParaRPr lang="en-US" dirty="0"/>
+          </a:p>
+        </p:txBody>
+      </p:sp>
+      <p:sp>
+        <p:nvSpPr>
+          <p:cNvPr id="4" name="Slide Number Placeholder 3"/>
+          <p:cNvSpPr>
+            <a:spLocks noGrp="1"/>
+          </p:cNvSpPr>
+          <p:nvPr>
+            <p:ph type="sldNum" sz="quarter" idx="5"/>
+          </p:nvPr>
+        </p:nvSpPr>
+        <p:spPr/>
+        <p:txBody>
+          <a:bodyPr/>
+          <a:lstStyle/>
+          <a:p>
+            <a:fld id="{1ABBD873-08CC-CF45-9A1C-8FC61122CEB0}" type="slidenum">
+              <a:rPr lang="en-US" smtClean="0"/>
+              <a:t>13</a:t>
+            </a:fld>
+            <a:endParaRPr lang="en-US" dirty="0"/>
+          </a:p>
+        </p:txBody>
+      </p:sp>
+    </p:spTree>
+    <p:extLst>
+      <p:ext uri="{BB962C8B-B14F-4D97-AF65-F5344CB8AC3E}">
+        <p14:creationId xmlns:p14="http://schemas.microsoft.com/office/powerpoint/2010/main" val="477284492"/>
+      </p:ext>
+    </p:extLst>
+  </p:cSld>
+  <p:clrMapOvr>
+    <a:masterClrMapping/>
+  </p:clrMapOvr>
+</p:notes>
+</file>
+
+<file path=ppt/notesSlides/notesSlide4.xml><?xml version="1.0" encoding="utf-8"?>
+<p:notes xmlns:a="http://schemas.openxmlformats.org/drawingml/2006/main" xmlns:r="http://schemas.openxmlformats.org/officeDocument/2006/relationships" xmlns:p="http://schemas.openxmlformats.org/presentationml/2006/main">
+  <p:cSld>
+    <p:spTree>
+      <p:nvGrpSpPr>
+        <p:cNvPr id="1" name=""/>
+        <p:cNvGrpSpPr/>
+        <p:nvPr/>
+      </p:nvGrpSpPr>
+      <p:grpSpPr>
+        <a:xfrm>
+          <a:off x="0" y="0"/>
+          <a:ext cx="0" cy="0"/>
+          <a:chOff x="0" y="0"/>
+          <a:chExt cx="0" cy="0"/>
+        </a:xfrm>
+      </p:grpSpPr>
+      <p:sp>
+        <p:nvSpPr>
+          <p:cNvPr id="2" name="Slide Image Placeholder 1"/>
+          <p:cNvSpPr>
+            <a:spLocks noGrp="1" noRot="1" noChangeAspect="1"/>
+          </p:cNvSpPr>
+          <p:nvPr>
+            <p:ph type="sldImg"/>
+          </p:nvPr>
+        </p:nvSpPr>
+        <p:spPr/>
+      </p:sp>
+      <p:sp>
+        <p:nvSpPr>
+          <p:cNvPr id="3" name="Notes Placeholder 2"/>
+          <p:cNvSpPr>
+            <a:spLocks noGrp="1"/>
+          </p:cNvSpPr>
+          <p:nvPr>
+            <p:ph type="body" idx="1"/>
+          </p:nvPr>
+        </p:nvSpPr>
+        <p:spPr/>
+        <p:txBody>
+          <a:bodyPr/>
+          <a:lstStyle/>
+          <a:p>
+            <a:r>
+              <a:rPr lang="en-US" sz="1200" kern="1200" dirty="0">
+                <a:solidFill>
+                  <a:schemeClr val="tx1"/>
+                </a:solidFill>
+                <a:effectLst/>
+                <a:latin typeface="+mn-lt"/>
+                <a:ea typeface="+mn-ea"/>
+                <a:cs typeface="+mn-cs"/>
+              </a:rPr>
+              <a:t>Using the Plate variable in the dataset, we looked at to which lot each vehicle went. We see here in the states represented in each of the tow lots. The darker color represents at least one state plate.</a:t>
+            </a:r>
+          </a:p>
+          <a:p>
+            <a:endParaRPr lang="en-US" sz="1200" kern="1200" dirty="0">
+              <a:solidFill>
+                <a:schemeClr val="tx1"/>
+              </a:solidFill>
+              <a:effectLst/>
+              <a:latin typeface="+mn-lt"/>
+              <a:ea typeface="+mn-ea"/>
+              <a:cs typeface="+mn-cs"/>
+            </a:endParaRPr>
+          </a:p>
+          <a:p>
+            <a:r>
+              <a:rPr lang="en-US" sz="1200" kern="1200" dirty="0">
+                <a:solidFill>
+                  <a:schemeClr val="tx1"/>
+                </a:solidFill>
+                <a:effectLst/>
+                <a:latin typeface="+mn-lt"/>
+                <a:ea typeface="+mn-ea"/>
+                <a:cs typeface="+mn-cs"/>
+              </a:rPr>
+              <a:t>Looking at this chart, we see 37 states different represented in Chicago tow lots. Illinois is represented most frequently and in each of the four lots. Indiana, Wisconsin, and Michigan are well represented by percentage as well as in each three of the four lots. </a:t>
+            </a:r>
+          </a:p>
+          <a:p>
+            <a:endParaRPr lang="en-US" dirty="0"/>
+          </a:p>
+          <a:p>
+            <a:pPr marL="0" marR="0" lvl="0" indent="0" algn="l" defTabSz="914400" rtl="0" eaLnBrk="1" fontAlgn="auto" latinLnBrk="0" hangingPunct="1">
+              <a:lnSpc>
+                <a:spcPct val="100000"/>
+              </a:lnSpc>
+              <a:spcBef>
+                <a:spcPts val="0"/>
+              </a:spcBef>
+              <a:spcAft>
+                <a:spcPts val="0"/>
+              </a:spcAft>
+              <a:buClrTx/>
+              <a:buSzTx/>
+              <a:buFontTx/>
+              <a:buNone/>
+              <a:tabLst/>
+              <a:defRPr/>
+            </a:pPr>
+            <a:r>
+              <a:rPr lang="en-US" sz="1200" kern="1200" dirty="0">
+                <a:solidFill>
+                  <a:schemeClr val="tx1"/>
+                </a:solidFill>
+                <a:effectLst/>
+                <a:latin typeface="+mn-lt"/>
+                <a:ea typeface="+mn-ea"/>
+                <a:cs typeface="+mn-cs"/>
+              </a:rPr>
+              <a:t>The 701 N Sacramento Lot contains the most diverse collection of cars by state (32 of the 37 total states are represented), Wacker has the least diverse collection, at least by license plate, excluding O'Hare of course.</a:t>
+            </a:r>
+          </a:p>
+          <a:p>
+            <a:pPr marL="0" marR="0" lvl="0" indent="0" algn="l" defTabSz="914400" rtl="0" eaLnBrk="1" fontAlgn="auto" latinLnBrk="0" hangingPunct="1">
+              <a:lnSpc>
+                <a:spcPct val="100000"/>
+              </a:lnSpc>
+              <a:spcBef>
+                <a:spcPts val="0"/>
+              </a:spcBef>
+              <a:spcAft>
+                <a:spcPts val="0"/>
+              </a:spcAft>
+              <a:buClrTx/>
+              <a:buSzTx/>
+              <a:buFontTx/>
+              <a:buNone/>
+              <a:tabLst/>
+              <a:defRPr/>
+            </a:pPr>
+            <a:endParaRPr lang="en-US" sz="1200" kern="1200" dirty="0">
+              <a:solidFill>
+                <a:schemeClr val="tx1"/>
+              </a:solidFill>
+              <a:effectLst/>
+              <a:latin typeface="+mn-lt"/>
+              <a:ea typeface="+mn-ea"/>
+              <a:cs typeface="+mn-cs"/>
+            </a:endParaRPr>
+          </a:p>
+          <a:p>
+            <a:pPr marL="0" marR="0" lvl="0" indent="0" algn="l" defTabSz="914400" rtl="0" eaLnBrk="1" fontAlgn="auto" latinLnBrk="0" hangingPunct="1">
+              <a:lnSpc>
+                <a:spcPct val="100000"/>
+              </a:lnSpc>
+              <a:spcBef>
+                <a:spcPts val="0"/>
+              </a:spcBef>
+              <a:spcAft>
+                <a:spcPts val="0"/>
+              </a:spcAft>
+              <a:buClrTx/>
+              <a:buSzTx/>
+              <a:buFontTx/>
+              <a:buNone/>
+              <a:tabLst/>
+              <a:defRPr/>
+            </a:pPr>
+            <a:r>
+              <a:rPr lang="en-US" sz="1200" kern="1200" dirty="0">
+                <a:solidFill>
+                  <a:schemeClr val="tx1"/>
+                </a:solidFill>
+                <a:effectLst/>
+                <a:latin typeface="+mn-lt"/>
+                <a:ea typeface="+mn-ea"/>
+                <a:cs typeface="+mn-cs"/>
+              </a:rPr>
+              <a:t>Any comments, concerns or curiosities?</a:t>
             </a:r>
           </a:p>
           <a:p>
@@ -741,7 +1103,7 @@
               <a:rPr lang="en-US" smtClean="0"/>
               <a:t>14</a:t>
             </a:fld>
-            <a:endParaRPr lang="en-US"/>
+            <a:endParaRPr lang="en-US" dirty="0"/>
           </a:p>
         </p:txBody>
       </p:sp>
@@ -905,9 +1267,9 @@
           <a:p>
             <a:fld id="{9E8F0690-90F3-3240-A8D4-937BF079F265}" type="datetimeFigureOut">
               <a:rPr lang="en-US" smtClean="0"/>
-              <a:t>3/30/2019</a:t>
+              <a:t>3/30/19</a:t>
             </a:fld>
-            <a:endParaRPr lang="en-US"/>
+            <a:endParaRPr lang="en-US" dirty="0"/>
           </a:p>
         </p:txBody>
       </p:sp>
@@ -932,7 +1294,7 @@
           <a:bodyPr/>
           <a:lstStyle/>
           <a:p>
-            <a:endParaRPr lang="en-US"/>
+            <a:endParaRPr lang="en-US" dirty="0"/>
           </a:p>
         </p:txBody>
       </p:sp>
@@ -961,7 +1323,7 @@
               <a:rPr lang="en-US" smtClean="0"/>
               <a:t>‹#›</a:t>
             </a:fld>
-            <a:endParaRPr lang="en-US"/>
+            <a:endParaRPr lang="en-US" dirty="0"/>
           </a:p>
         </p:txBody>
       </p:sp>
@@ -1103,9 +1465,9 @@
           <a:p>
             <a:fld id="{9E8F0690-90F3-3240-A8D4-937BF079F265}" type="datetimeFigureOut">
               <a:rPr lang="en-US" smtClean="0"/>
-              <a:t>3/30/2019</a:t>
+              <a:t>3/30/19</a:t>
             </a:fld>
-            <a:endParaRPr lang="en-US"/>
+            <a:endParaRPr lang="en-US" dirty="0"/>
           </a:p>
         </p:txBody>
       </p:sp>
@@ -1130,7 +1492,7 @@
           <a:bodyPr/>
           <a:lstStyle/>
           <a:p>
-            <a:endParaRPr lang="en-US"/>
+            <a:endParaRPr lang="en-US" dirty="0"/>
           </a:p>
         </p:txBody>
       </p:sp>
@@ -1159,7 +1521,7 @@
               <a:rPr lang="en-US" smtClean="0"/>
               <a:t>‹#›</a:t>
             </a:fld>
-            <a:endParaRPr lang="en-US"/>
+            <a:endParaRPr lang="en-US" dirty="0"/>
           </a:p>
         </p:txBody>
       </p:sp>
@@ -1311,9 +1673,9 @@
           <a:p>
             <a:fld id="{9E8F0690-90F3-3240-A8D4-937BF079F265}" type="datetimeFigureOut">
               <a:rPr lang="en-US" smtClean="0"/>
-              <a:t>3/30/2019</a:t>
+              <a:t>3/30/19</a:t>
             </a:fld>
-            <a:endParaRPr lang="en-US"/>
+            <a:endParaRPr lang="en-US" dirty="0"/>
           </a:p>
         </p:txBody>
       </p:sp>
@@ -1338,7 +1700,7 @@
           <a:bodyPr/>
           <a:lstStyle/>
           <a:p>
-            <a:endParaRPr lang="en-US"/>
+            <a:endParaRPr lang="en-US" dirty="0"/>
           </a:p>
         </p:txBody>
       </p:sp>
@@ -1367,7 +1729,7 @@
               <a:rPr lang="en-US" smtClean="0"/>
               <a:t>‹#›</a:t>
             </a:fld>
-            <a:endParaRPr lang="en-US"/>
+            <a:endParaRPr lang="en-US" dirty="0"/>
           </a:p>
         </p:txBody>
       </p:sp>
@@ -1509,9 +1871,9 @@
           <a:p>
             <a:fld id="{9E8F0690-90F3-3240-A8D4-937BF079F265}" type="datetimeFigureOut">
               <a:rPr lang="en-US" smtClean="0"/>
-              <a:t>3/30/2019</a:t>
+              <a:t>3/30/19</a:t>
             </a:fld>
-            <a:endParaRPr lang="en-US"/>
+            <a:endParaRPr lang="en-US" dirty="0"/>
           </a:p>
         </p:txBody>
       </p:sp>
@@ -1536,7 +1898,7 @@
           <a:bodyPr/>
           <a:lstStyle/>
           <a:p>
-            <a:endParaRPr lang="en-US"/>
+            <a:endParaRPr lang="en-US" dirty="0"/>
           </a:p>
         </p:txBody>
       </p:sp>
@@ -1565,7 +1927,7 @@
               <a:rPr lang="en-US" smtClean="0"/>
               <a:t>‹#›</a:t>
             </a:fld>
-            <a:endParaRPr lang="en-US"/>
+            <a:endParaRPr lang="en-US" dirty="0"/>
           </a:p>
         </p:txBody>
       </p:sp>
@@ -1784,9 +2146,9 @@
           <a:p>
             <a:fld id="{9E8F0690-90F3-3240-A8D4-937BF079F265}" type="datetimeFigureOut">
               <a:rPr lang="en-US" smtClean="0"/>
-              <a:t>3/30/2019</a:t>
+              <a:t>3/30/19</a:t>
             </a:fld>
-            <a:endParaRPr lang="en-US"/>
+            <a:endParaRPr lang="en-US" dirty="0"/>
           </a:p>
         </p:txBody>
       </p:sp>
@@ -1811,7 +2173,7 @@
           <a:bodyPr/>
           <a:lstStyle/>
           <a:p>
-            <a:endParaRPr lang="en-US"/>
+            <a:endParaRPr lang="en-US" dirty="0"/>
           </a:p>
         </p:txBody>
       </p:sp>
@@ -1840,7 +2202,7 @@
               <a:rPr lang="en-US" smtClean="0"/>
               <a:t>‹#›</a:t>
             </a:fld>
-            <a:endParaRPr lang="en-US"/>
+            <a:endParaRPr lang="en-US" dirty="0"/>
           </a:p>
         </p:txBody>
       </p:sp>
@@ -2049,9 +2411,9 @@
           <a:p>
             <a:fld id="{9E8F0690-90F3-3240-A8D4-937BF079F265}" type="datetimeFigureOut">
               <a:rPr lang="en-US" smtClean="0"/>
-              <a:t>3/30/2019</a:t>
+              <a:t>3/30/19</a:t>
             </a:fld>
-            <a:endParaRPr lang="en-US"/>
+            <a:endParaRPr lang="en-US" dirty="0"/>
           </a:p>
         </p:txBody>
       </p:sp>
@@ -2076,7 +2438,7 @@
           <a:bodyPr/>
           <a:lstStyle/>
           <a:p>
-            <a:endParaRPr lang="en-US"/>
+            <a:endParaRPr lang="en-US" dirty="0"/>
           </a:p>
         </p:txBody>
       </p:sp>
@@ -2105,7 +2467,7 @@
               <a:rPr lang="en-US" smtClean="0"/>
               <a:t>‹#›</a:t>
             </a:fld>
-            <a:endParaRPr lang="en-US"/>
+            <a:endParaRPr lang="en-US" dirty="0"/>
           </a:p>
         </p:txBody>
       </p:sp>
@@ -2461,9 +2823,9 @@
           <a:p>
             <a:fld id="{9E8F0690-90F3-3240-A8D4-937BF079F265}" type="datetimeFigureOut">
               <a:rPr lang="en-US" smtClean="0"/>
-              <a:t>3/30/2019</a:t>
+              <a:t>3/30/19</a:t>
             </a:fld>
-            <a:endParaRPr lang="en-US"/>
+            <a:endParaRPr lang="en-US" dirty="0"/>
           </a:p>
         </p:txBody>
       </p:sp>
@@ -2488,7 +2850,7 @@
           <a:bodyPr/>
           <a:lstStyle/>
           <a:p>
-            <a:endParaRPr lang="en-US"/>
+            <a:endParaRPr lang="en-US" dirty="0"/>
           </a:p>
         </p:txBody>
       </p:sp>
@@ -2517,7 +2879,7 @@
               <a:rPr lang="en-US" smtClean="0"/>
               <a:t>‹#›</a:t>
             </a:fld>
-            <a:endParaRPr lang="en-US"/>
+            <a:endParaRPr lang="en-US" dirty="0"/>
           </a:p>
         </p:txBody>
       </p:sp>
@@ -2602,9 +2964,9 @@
           <a:p>
             <a:fld id="{9E8F0690-90F3-3240-A8D4-937BF079F265}" type="datetimeFigureOut">
               <a:rPr lang="en-US" smtClean="0"/>
-              <a:t>3/30/2019</a:t>
+              <a:t>3/30/19</a:t>
             </a:fld>
-            <a:endParaRPr lang="en-US"/>
+            <a:endParaRPr lang="en-US" dirty="0"/>
           </a:p>
         </p:txBody>
       </p:sp>
@@ -2629,7 +2991,7 @@
           <a:bodyPr/>
           <a:lstStyle/>
           <a:p>
-            <a:endParaRPr lang="en-US"/>
+            <a:endParaRPr lang="en-US" dirty="0"/>
           </a:p>
         </p:txBody>
       </p:sp>
@@ -2658,7 +3020,7 @@
               <a:rPr lang="en-US" smtClean="0"/>
               <a:t>‹#›</a:t>
             </a:fld>
-            <a:endParaRPr lang="en-US"/>
+            <a:endParaRPr lang="en-US" dirty="0"/>
           </a:p>
         </p:txBody>
       </p:sp>
@@ -2715,9 +3077,9 @@
           <a:p>
             <a:fld id="{9E8F0690-90F3-3240-A8D4-937BF079F265}" type="datetimeFigureOut">
               <a:rPr lang="en-US" smtClean="0"/>
-              <a:t>3/30/2019</a:t>
+              <a:t>3/30/19</a:t>
             </a:fld>
-            <a:endParaRPr lang="en-US"/>
+            <a:endParaRPr lang="en-US" dirty="0"/>
           </a:p>
         </p:txBody>
       </p:sp>
@@ -2742,7 +3104,7 @@
           <a:bodyPr/>
           <a:lstStyle/>
           <a:p>
-            <a:endParaRPr lang="en-US"/>
+            <a:endParaRPr lang="en-US" dirty="0"/>
           </a:p>
         </p:txBody>
       </p:sp>
@@ -2771,7 +3133,7 @@
               <a:rPr lang="en-US" smtClean="0"/>
               <a:t>‹#›</a:t>
             </a:fld>
-            <a:endParaRPr lang="en-US"/>
+            <a:endParaRPr lang="en-US" dirty="0"/>
           </a:p>
         </p:txBody>
       </p:sp>
@@ -3026,9 +3388,9 @@
           <a:p>
             <a:fld id="{9E8F0690-90F3-3240-A8D4-937BF079F265}" type="datetimeFigureOut">
               <a:rPr lang="en-US" smtClean="0"/>
-              <a:t>3/30/2019</a:t>
+              <a:t>3/30/19</a:t>
             </a:fld>
-            <a:endParaRPr lang="en-US"/>
+            <a:endParaRPr lang="en-US" dirty="0"/>
           </a:p>
         </p:txBody>
       </p:sp>
@@ -3053,7 +3415,7 @@
           <a:bodyPr/>
           <a:lstStyle/>
           <a:p>
-            <a:endParaRPr lang="en-US"/>
+            <a:endParaRPr lang="en-US" dirty="0"/>
           </a:p>
         </p:txBody>
       </p:sp>
@@ -3082,7 +3444,7 @@
               <a:rPr lang="en-US" smtClean="0"/>
               <a:t>‹#›</a:t>
             </a:fld>
-            <a:endParaRPr lang="en-US"/>
+            <a:endParaRPr lang="en-US" dirty="0"/>
           </a:p>
         </p:txBody>
       </p:sp>
@@ -3216,7 +3578,7 @@
             </a:lvl9pPr>
           </a:lstStyle>
           <a:p>
-            <a:endParaRPr lang="en-US"/>
+            <a:endParaRPr lang="en-US" dirty="0"/>
           </a:p>
         </p:txBody>
       </p:sp>
@@ -3314,9 +3676,9 @@
           <a:p>
             <a:fld id="{9E8F0690-90F3-3240-A8D4-937BF079F265}" type="datetimeFigureOut">
               <a:rPr lang="en-US" smtClean="0"/>
-              <a:t>3/30/2019</a:t>
+              <a:t>3/30/19</a:t>
             </a:fld>
-            <a:endParaRPr lang="en-US"/>
+            <a:endParaRPr lang="en-US" dirty="0"/>
           </a:p>
         </p:txBody>
       </p:sp>
@@ -3341,7 +3703,7 @@
           <a:bodyPr/>
           <a:lstStyle/>
           <a:p>
-            <a:endParaRPr lang="en-US"/>
+            <a:endParaRPr lang="en-US" dirty="0"/>
           </a:p>
         </p:txBody>
       </p:sp>
@@ -3370,7 +3732,7 @@
               <a:rPr lang="en-US" smtClean="0"/>
               <a:t>‹#›</a:t>
             </a:fld>
-            <a:endParaRPr lang="en-US"/>
+            <a:endParaRPr lang="en-US" dirty="0"/>
           </a:p>
         </p:txBody>
       </p:sp>
@@ -3555,9 +3917,9 @@
           <a:p>
             <a:fld id="{9E8F0690-90F3-3240-A8D4-937BF079F265}" type="datetimeFigureOut">
               <a:rPr lang="en-US" smtClean="0"/>
-              <a:t>3/30/2019</a:t>
+              <a:t>3/30/19</a:t>
             </a:fld>
-            <a:endParaRPr lang="en-US"/>
+            <a:endParaRPr lang="en-US" dirty="0"/>
           </a:p>
         </p:txBody>
       </p:sp>
@@ -3600,7 +3962,7 @@
             </a:lvl1pPr>
           </a:lstStyle>
           <a:p>
-            <a:endParaRPr lang="en-US"/>
+            <a:endParaRPr lang="en-US" dirty="0"/>
           </a:p>
         </p:txBody>
       </p:sp>
@@ -3647,7 +4009,7 @@
               <a:rPr lang="en-US" smtClean="0"/>
               <a:t>‹#›</a:t>
             </a:fld>
-            <a:endParaRPr lang="en-US"/>
+            <a:endParaRPr lang="en-US" dirty="0"/>
           </a:p>
         </p:txBody>
       </p:sp>
@@ -4094,7 +4456,7 @@
           <a:p>
             <a:pPr marL="457200" lvl="1" algn="l"/>
             <a:r>
-              <a:rPr lang="en-US" sz="3200" kern="1200">
+              <a:rPr lang="en-US" sz="3200" kern="1200" dirty="0">
                 <a:solidFill>
                   <a:schemeClr val="tx1"/>
                 </a:solidFill>
@@ -4104,14 +4466,6 @@
               </a:rPr>
               <a:t>5. What percentage of towed cars are abandoned cars?</a:t>
             </a:r>
-            <a:endParaRPr lang="en-US" sz="3200" kern="1200" dirty="0">
-              <a:solidFill>
-                <a:schemeClr val="tx1"/>
-              </a:solidFill>
-              <a:latin typeface="+mn-lt"/>
-              <a:ea typeface="+mn-ea"/>
-              <a:cs typeface="+mn-cs"/>
-            </a:endParaRPr>
           </a:p>
         </p:txBody>
       </p:sp>
@@ -4289,7 +4643,7 @@
           </p:nvPr>
         </p:nvPicPr>
         <p:blipFill>
-          <a:blip r:embed="rId2"/>
+          <a:blip r:embed="rId3"/>
           <a:stretch>
             <a:fillRect/>
           </a:stretch>
@@ -4554,7 +4908,7 @@
           <p:nvPr/>
         </p:nvPicPr>
         <p:blipFill>
-          <a:blip r:embed="rId2"/>
+          <a:blip r:embed="rId3"/>
           <a:stretch>
             <a:fillRect/>
           </a:stretch>
@@ -4731,6 +5085,89 @@
     <p:extLst>
       <p:ext uri="{BB962C8B-B14F-4D97-AF65-F5344CB8AC3E}">
         <p14:creationId xmlns:p14="http://schemas.microsoft.com/office/powerpoint/2010/main" val="2864676136"/>
+      </p:ext>
+    </p:extLst>
+  </p:cSld>
+  <p:clrMapOvr>
+    <a:masterClrMapping/>
+  </p:clrMapOvr>
+</p:sld>
+</file>
+
+<file path=ppt/slides/slide15.xml><?xml version="1.0" encoding="utf-8"?>
+<p:sld xmlns:a="http://schemas.openxmlformats.org/drawingml/2006/main" xmlns:r="http://schemas.openxmlformats.org/officeDocument/2006/relationships" xmlns:p="http://schemas.openxmlformats.org/presentationml/2006/main">
+  <p:cSld>
+    <p:spTree>
+      <p:nvGrpSpPr>
+        <p:cNvPr id="1" name=""/>
+        <p:cNvGrpSpPr/>
+        <p:nvPr/>
+      </p:nvGrpSpPr>
+      <p:grpSpPr>
+        <a:xfrm>
+          <a:off x="0" y="0"/>
+          <a:ext cx="0" cy="0"/>
+          <a:chOff x="0" y="0"/>
+          <a:chExt cx="0" cy="0"/>
+        </a:xfrm>
+      </p:grpSpPr>
+      <p:sp>
+        <p:nvSpPr>
+          <p:cNvPr id="4" name="Title 3">
+            <a:extLst>
+              <a:ext uri="{FF2B5EF4-FFF2-40B4-BE49-F238E27FC236}">
+                <a16:creationId xmlns:a16="http://schemas.microsoft.com/office/drawing/2014/main" id="{3DB1B837-6DAF-C944-BA3C-3BEF95A84420}"/>
+              </a:ext>
+            </a:extLst>
+          </p:cNvPr>
+          <p:cNvSpPr>
+            <a:spLocks noGrp="1"/>
+          </p:cNvSpPr>
+          <p:nvPr>
+            <p:ph type="title"/>
+          </p:nvPr>
+        </p:nvSpPr>
+        <p:spPr/>
+        <p:txBody>
+          <a:bodyPr/>
+          <a:lstStyle/>
+          <a:p>
+            <a:r>
+              <a:rPr lang="en-US" dirty="0"/>
+              <a:t>Comments, concern or curiosities?</a:t>
+            </a:r>
+          </a:p>
+        </p:txBody>
+      </p:sp>
+      <p:sp>
+        <p:nvSpPr>
+          <p:cNvPr id="5" name="Text Placeholder 4">
+            <a:extLst>
+              <a:ext uri="{FF2B5EF4-FFF2-40B4-BE49-F238E27FC236}">
+                <a16:creationId xmlns:a16="http://schemas.microsoft.com/office/drawing/2014/main" id="{FB4480B0-28FB-1540-A99C-82939F234D64}"/>
+              </a:ext>
+            </a:extLst>
+          </p:cNvPr>
+          <p:cNvSpPr>
+            <a:spLocks noGrp="1"/>
+          </p:cNvSpPr>
+          <p:nvPr>
+            <p:ph type="body" idx="1"/>
+          </p:nvPr>
+        </p:nvSpPr>
+        <p:spPr/>
+        <p:txBody>
+          <a:bodyPr/>
+          <a:lstStyle/>
+          <a:p>
+            <a:endParaRPr lang="en-US" dirty="0"/>
+          </a:p>
+        </p:txBody>
+      </p:sp>
+    </p:spTree>
+    <p:extLst>
+      <p:ext uri="{BB962C8B-B14F-4D97-AF65-F5344CB8AC3E}">
+        <p14:creationId xmlns:p14="http://schemas.microsoft.com/office/powerpoint/2010/main" val="791672599"/>
       </p:ext>
     </p:extLst>
   </p:cSld>
@@ -5025,7 +5462,7 @@
           <a:lstStyle/>
           <a:p>
             <a:pPr algn="ctr"/>
-            <a:endParaRPr lang="en-US"/>
+            <a:endParaRPr lang="en-US" dirty="0"/>
           </a:p>
         </p:txBody>
       </p:sp>
@@ -5095,19 +5532,7 @@
               <a:rPr lang="en-US" sz="3200" dirty="0">
                 <a:latin typeface="Graphik" panose="020B0503030202060203" pitchFamily="34" charset="0"/>
               </a:rPr>
-              <a:t>Does the day of the week </a:t>
-            </a:r>
-            <a:r>
-              <a:rPr lang="en-US" sz="3200">
-                <a:latin typeface="Graphik" panose="020B0503030202060203" pitchFamily="34" charset="0"/>
-              </a:rPr>
-              <a:t>have any </a:t>
-            </a:r>
-            <a:r>
-              <a:rPr lang="en-US" sz="3200" dirty="0">
-                <a:latin typeface="Graphik" panose="020B0503030202060203" pitchFamily="34" charset="0"/>
-              </a:rPr>
-              <a:t>impact?</a:t>
+              <a:t>Does the day of the week have any impact?</a:t>
             </a:r>
           </a:p>
         </p:txBody>

--- a/Project1.pptx
+++ b/Project1.pptx
@@ -5,7 +5,7 @@
     <p:sldMasterId id="2147483648" r:id="rId1"/>
   </p:sldMasterIdLst>
   <p:notesMasterIdLst>
-    <p:notesMasterId r:id="rId17"/>
+    <p:notesMasterId r:id="rId18"/>
   </p:notesMasterIdLst>
   <p:sldIdLst>
     <p:sldId id="256" r:id="rId2"/>
@@ -22,7 +22,8 @@
     <p:sldId id="262" r:id="rId13"/>
     <p:sldId id="263" r:id="rId14"/>
     <p:sldId id="264" r:id="rId15"/>
-    <p:sldId id="271" r:id="rId16"/>
+    <p:sldId id="273" r:id="rId16"/>
+    <p:sldId id="271" r:id="rId17"/>
   </p:sldIdLst>
   <p:sldSz cx="12192000" cy="6858000"/>
   <p:notesSz cx="6858000" cy="9144000"/>
@@ -144,6 +145,7 @@
             <p14:sldId id="262"/>
             <p14:sldId id="263"/>
             <p14:sldId id="264"/>
+            <p14:sldId id="273"/>
             <p14:sldId id="271"/>
           </p14:sldIdLst>
         </p14:section>
@@ -238,7 +240,7 @@
           <a:p>
             <a:fld id="{723FBAB7-38B8-9742-998A-D23EB28787A2}" type="datetimeFigureOut">
               <a:rPr lang="en-US" smtClean="0"/>
-              <a:t>3/30/19</a:t>
+              <a:t>3/31/19</a:t>
             </a:fld>
             <a:endParaRPr lang="en-US" dirty="0"/>
           </a:p>
@@ -1120,6 +1122,114 @@
 </p:notes>
 </file>
 
+<file path=ppt/notesSlides/notesSlide5.xml><?xml version="1.0" encoding="utf-8"?>
+<p:notes xmlns:a="http://schemas.openxmlformats.org/drawingml/2006/main" xmlns:r="http://schemas.openxmlformats.org/officeDocument/2006/relationships" xmlns:p="http://schemas.openxmlformats.org/presentationml/2006/main">
+  <p:cSld>
+    <p:spTree>
+      <p:nvGrpSpPr>
+        <p:cNvPr id="1" name=""/>
+        <p:cNvGrpSpPr/>
+        <p:nvPr/>
+      </p:nvGrpSpPr>
+      <p:grpSpPr>
+        <a:xfrm>
+          <a:off x="0" y="0"/>
+          <a:ext cx="0" cy="0"/>
+          <a:chOff x="0" y="0"/>
+          <a:chExt cx="0" cy="0"/>
+        </a:xfrm>
+      </p:grpSpPr>
+      <p:sp>
+        <p:nvSpPr>
+          <p:cNvPr id="2" name="Slide Image Placeholder 1"/>
+          <p:cNvSpPr>
+            <a:spLocks noGrp="1" noRot="1" noChangeAspect="1"/>
+          </p:cNvSpPr>
+          <p:nvPr>
+            <p:ph type="sldImg"/>
+          </p:nvPr>
+        </p:nvSpPr>
+        <p:spPr/>
+      </p:sp>
+      <p:sp>
+        <p:nvSpPr>
+          <p:cNvPr id="3" name="Notes Placeholder 2"/>
+          <p:cNvSpPr>
+            <a:spLocks noGrp="1"/>
+          </p:cNvSpPr>
+          <p:nvPr>
+            <p:ph type="body" idx="1"/>
+          </p:nvPr>
+        </p:nvSpPr>
+        <p:spPr/>
+        <p:txBody>
+          <a:bodyPr/>
+          <a:lstStyle/>
+          <a:p>
+            <a:r>
+              <a:rPr lang="en-US" sz="1200" kern="1200" dirty="0">
+                <a:solidFill>
+                  <a:schemeClr val="tx1"/>
+                </a:solidFill>
+                <a:effectLst/>
+                <a:latin typeface="+mn-lt"/>
+                <a:ea typeface="+mn-ea"/>
+                <a:cs typeface="+mn-cs"/>
+              </a:rPr>
+              <a:t>Using the Plate variable in the dataset, we also looked at counts by state for plates towed. Here we can clearly see the counts of Illinois plates outweighs non-IL </a:t>
+            </a:r>
+            <a:r>
+              <a:rPr lang="en-US" sz="1200" kern="1200">
+                <a:solidFill>
+                  <a:schemeClr val="tx1"/>
+                </a:solidFill>
+                <a:effectLst/>
+                <a:latin typeface="+mn-lt"/>
+                <a:ea typeface="+mn-ea"/>
+                <a:cs typeface="+mn-cs"/>
+              </a:rPr>
+              <a:t>plates.</a:t>
+            </a:r>
+            <a:endParaRPr lang="en-US" dirty="0"/>
+          </a:p>
+        </p:txBody>
+      </p:sp>
+      <p:sp>
+        <p:nvSpPr>
+          <p:cNvPr id="4" name="Slide Number Placeholder 3"/>
+          <p:cNvSpPr>
+            <a:spLocks noGrp="1"/>
+          </p:cNvSpPr>
+          <p:nvPr>
+            <p:ph type="sldNum" sz="quarter" idx="5"/>
+          </p:nvPr>
+        </p:nvSpPr>
+        <p:spPr/>
+        <p:txBody>
+          <a:bodyPr/>
+          <a:lstStyle/>
+          <a:p>
+            <a:fld id="{1ABBD873-08CC-CF45-9A1C-8FC61122CEB0}" type="slidenum">
+              <a:rPr lang="en-US" smtClean="0"/>
+              <a:t>15</a:t>
+            </a:fld>
+            <a:endParaRPr lang="en-US" dirty="0"/>
+          </a:p>
+        </p:txBody>
+      </p:sp>
+    </p:spTree>
+    <p:extLst>
+      <p:ext uri="{BB962C8B-B14F-4D97-AF65-F5344CB8AC3E}">
+        <p14:creationId xmlns:p14="http://schemas.microsoft.com/office/powerpoint/2010/main" val="2535798838"/>
+      </p:ext>
+    </p:extLst>
+  </p:cSld>
+  <p:clrMapOvr>
+    <a:masterClrMapping/>
+  </p:clrMapOvr>
+</p:notes>
+</file>
+
 <file path=ppt/slideLayouts/slideLayout1.xml><?xml version="1.0" encoding="utf-8"?>
 <p:sldLayout xmlns:a="http://schemas.openxmlformats.org/drawingml/2006/main" xmlns:r="http://schemas.openxmlformats.org/officeDocument/2006/relationships" xmlns:p="http://schemas.openxmlformats.org/presentationml/2006/main" type="title" preserve="1">
   <p:cSld name="Title Slide">
@@ -1267,7 +1377,7 @@
           <a:p>
             <a:fld id="{9E8F0690-90F3-3240-A8D4-937BF079F265}" type="datetimeFigureOut">
               <a:rPr lang="en-US" smtClean="0"/>
-              <a:t>3/30/19</a:t>
+              <a:t>3/31/19</a:t>
             </a:fld>
             <a:endParaRPr lang="en-US" dirty="0"/>
           </a:p>
@@ -1465,7 +1575,7 @@
           <a:p>
             <a:fld id="{9E8F0690-90F3-3240-A8D4-937BF079F265}" type="datetimeFigureOut">
               <a:rPr lang="en-US" smtClean="0"/>
-              <a:t>3/30/19</a:t>
+              <a:t>3/31/19</a:t>
             </a:fld>
             <a:endParaRPr lang="en-US" dirty="0"/>
           </a:p>
@@ -1673,7 +1783,7 @@
           <a:p>
             <a:fld id="{9E8F0690-90F3-3240-A8D4-937BF079F265}" type="datetimeFigureOut">
               <a:rPr lang="en-US" smtClean="0"/>
-              <a:t>3/30/19</a:t>
+              <a:t>3/31/19</a:t>
             </a:fld>
             <a:endParaRPr lang="en-US" dirty="0"/>
           </a:p>
@@ -1871,7 +1981,7 @@
           <a:p>
             <a:fld id="{9E8F0690-90F3-3240-A8D4-937BF079F265}" type="datetimeFigureOut">
               <a:rPr lang="en-US" smtClean="0"/>
-              <a:t>3/30/19</a:t>
+              <a:t>3/31/19</a:t>
             </a:fld>
             <a:endParaRPr lang="en-US" dirty="0"/>
           </a:p>
@@ -2146,7 +2256,7 @@
           <a:p>
             <a:fld id="{9E8F0690-90F3-3240-A8D4-937BF079F265}" type="datetimeFigureOut">
               <a:rPr lang="en-US" smtClean="0"/>
-              <a:t>3/30/19</a:t>
+              <a:t>3/31/19</a:t>
             </a:fld>
             <a:endParaRPr lang="en-US" dirty="0"/>
           </a:p>
@@ -2411,7 +2521,7 @@
           <a:p>
             <a:fld id="{9E8F0690-90F3-3240-A8D4-937BF079F265}" type="datetimeFigureOut">
               <a:rPr lang="en-US" smtClean="0"/>
-              <a:t>3/30/19</a:t>
+              <a:t>3/31/19</a:t>
             </a:fld>
             <a:endParaRPr lang="en-US" dirty="0"/>
           </a:p>
@@ -2823,7 +2933,7 @@
           <a:p>
             <a:fld id="{9E8F0690-90F3-3240-A8D4-937BF079F265}" type="datetimeFigureOut">
               <a:rPr lang="en-US" smtClean="0"/>
-              <a:t>3/30/19</a:t>
+              <a:t>3/31/19</a:t>
             </a:fld>
             <a:endParaRPr lang="en-US" dirty="0"/>
           </a:p>
@@ -2964,7 +3074,7 @@
           <a:p>
             <a:fld id="{9E8F0690-90F3-3240-A8D4-937BF079F265}" type="datetimeFigureOut">
               <a:rPr lang="en-US" smtClean="0"/>
-              <a:t>3/30/19</a:t>
+              <a:t>3/31/19</a:t>
             </a:fld>
             <a:endParaRPr lang="en-US" dirty="0"/>
           </a:p>
@@ -3077,7 +3187,7 @@
           <a:p>
             <a:fld id="{9E8F0690-90F3-3240-A8D4-937BF079F265}" type="datetimeFigureOut">
               <a:rPr lang="en-US" smtClean="0"/>
-              <a:t>3/30/19</a:t>
+              <a:t>3/31/19</a:t>
             </a:fld>
             <a:endParaRPr lang="en-US" dirty="0"/>
           </a:p>
@@ -3388,7 +3498,7 @@
           <a:p>
             <a:fld id="{9E8F0690-90F3-3240-A8D4-937BF079F265}" type="datetimeFigureOut">
               <a:rPr lang="en-US" smtClean="0"/>
-              <a:t>3/30/19</a:t>
+              <a:t>3/31/19</a:t>
             </a:fld>
             <a:endParaRPr lang="en-US" dirty="0"/>
           </a:p>
@@ -3676,7 +3786,7 @@
           <a:p>
             <a:fld id="{9E8F0690-90F3-3240-A8D4-937BF079F265}" type="datetimeFigureOut">
               <a:rPr lang="en-US" smtClean="0"/>
-              <a:t>3/30/19</a:t>
+              <a:t>3/31/19</a:t>
             </a:fld>
             <a:endParaRPr lang="en-US" dirty="0"/>
           </a:p>
@@ -3917,7 +4027,7 @@
           <a:p>
             <a:fld id="{9E8F0690-90F3-3240-A8D4-937BF079F265}" type="datetimeFigureOut">
               <a:rPr lang="en-US" smtClean="0"/>
-              <a:t>3/30/19</a:t>
+              <a:t>3/31/19</a:t>
             </a:fld>
             <a:endParaRPr lang="en-US" dirty="0"/>
           </a:p>
@@ -5095,6 +5205,93 @@
 </file>
 
 <file path=ppt/slides/slide15.xml><?xml version="1.0" encoding="utf-8"?>
+<p:sld xmlns:a="http://schemas.openxmlformats.org/drawingml/2006/main" xmlns:r="http://schemas.openxmlformats.org/officeDocument/2006/relationships" xmlns:p="http://schemas.openxmlformats.org/presentationml/2006/main">
+  <p:cSld>
+    <p:spTree>
+      <p:nvGrpSpPr>
+        <p:cNvPr id="1" name=""/>
+        <p:cNvGrpSpPr/>
+        <p:nvPr/>
+      </p:nvGrpSpPr>
+      <p:grpSpPr>
+        <a:xfrm>
+          <a:off x="0" y="0"/>
+          <a:ext cx="0" cy="0"/>
+          <a:chOff x="0" y="0"/>
+          <a:chExt cx="0" cy="0"/>
+        </a:xfrm>
+      </p:grpSpPr>
+      <p:sp>
+        <p:nvSpPr>
+          <p:cNvPr id="2" name="Title 1">
+            <a:extLst>
+              <a:ext uri="{FF2B5EF4-FFF2-40B4-BE49-F238E27FC236}">
+                <a16:creationId xmlns:a16="http://schemas.microsoft.com/office/drawing/2014/main" id="{3623C55F-098E-EB45-8951-AAE613E48102}"/>
+              </a:ext>
+            </a:extLst>
+          </p:cNvPr>
+          <p:cNvSpPr>
+            <a:spLocks noGrp="1"/>
+          </p:cNvSpPr>
+          <p:nvPr>
+            <p:ph type="title"/>
+          </p:nvPr>
+        </p:nvSpPr>
+        <p:spPr/>
+        <p:txBody>
+          <a:bodyPr/>
+          <a:lstStyle/>
+          <a:p>
+            <a:r>
+              <a:rPr lang="en-US" dirty="0"/>
+              <a:t>Plates</a:t>
+            </a:r>
+          </a:p>
+        </p:txBody>
+      </p:sp>
+      <p:pic>
+        <p:nvPicPr>
+          <p:cNvPr id="7" name="Content Placeholder 6">
+            <a:extLst>
+              <a:ext uri="{FF2B5EF4-FFF2-40B4-BE49-F238E27FC236}">
+                <a16:creationId xmlns:a16="http://schemas.microsoft.com/office/drawing/2014/main" id="{78243494-763A-D54B-8DBF-D26D6DB32C07}"/>
+              </a:ext>
+            </a:extLst>
+          </p:cNvPr>
+          <p:cNvPicPr>
+            <a:picLocks noGrp="1" noChangeAspect="1"/>
+          </p:cNvPicPr>
+          <p:nvPr>
+            <p:ph idx="1"/>
+          </p:nvPr>
+        </p:nvPicPr>
+        <p:blipFill>
+          <a:blip r:embed="rId3"/>
+          <a:stretch>
+            <a:fillRect/>
+          </a:stretch>
+        </p:blipFill>
+        <p:spPr>
+          <a:xfrm>
+            <a:off x="3352800" y="2172494"/>
+            <a:ext cx="5486400" cy="3657600"/>
+          </a:xfrm>
+        </p:spPr>
+      </p:pic>
+    </p:spTree>
+    <p:extLst>
+      <p:ext uri="{BB962C8B-B14F-4D97-AF65-F5344CB8AC3E}">
+        <p14:creationId xmlns:p14="http://schemas.microsoft.com/office/powerpoint/2010/main" val="1415221097"/>
+      </p:ext>
+    </p:extLst>
+  </p:cSld>
+  <p:clrMapOvr>
+    <a:masterClrMapping/>
+  </p:clrMapOvr>
+</p:sld>
+</file>
+
+<file path=ppt/slides/slide16.xml><?xml version="1.0" encoding="utf-8"?>
 <p:sld xmlns:a="http://schemas.openxmlformats.org/drawingml/2006/main" xmlns:r="http://schemas.openxmlformats.org/officeDocument/2006/relationships" xmlns:p="http://schemas.openxmlformats.org/presentationml/2006/main">
   <p:cSld>
     <p:spTree>
